--- a/templates/UiO Presentation Template (ERC).pptx
+++ b/templates/UiO Presentation Template (ERC).pptx
@@ -1,16 +1,16 @@
 
 <file path=ppt/presentation.xml><?xml version="1.0" encoding="utf-8"?>
-<p:presentation xmlns:a="http://schemas.openxmlformats.org/drawingml/2006/main" xmlns:r="http://schemas.openxmlformats.org/officeDocument/2006/relationships" xmlns:p="http://schemas.openxmlformats.org/presentationml/2006/main" xmlns:m="http://schemas.openxmlformats.org/officeDocument/2006/math" xmlns:a14="http://schemas.microsoft.com/office/drawing/2010/main">
+<p:presentation xmlns:a="http://schemas.openxmlformats.org/drawingml/2006/main" xmlns:r="http://schemas.openxmlformats.org/officeDocument/2006/relationships" xmlns:p="http://schemas.openxmlformats.org/presentationml/2006/main">
   <p:sldMasterIdLst>
-    <p:sldMasterId id="2147483648" r:id="rId5"/>
+    <p:sldMasterId id="2147483648" r:id="rId1"/>
   </p:sldMasterIdLst>
   <p:notesMasterIdLst>
-    <p:notesMasterId r:id="rId7"/>
+    <p:notesMasterId r:id="rId5"/>
   </p:notesMasterIdLst>
   <p:sldIdLst>
-    <p:sldId id="256" r:id="rId8"/>
-    <p:sldId id="257" r:id="rId9"/>
-    <p:sldId id="258" r:id="rId10"/>
+    <p:sldId id="256" r:id="rId2"/>
+    <p:sldId id="257" r:id="rId3"/>
+    <p:sldId id="258" r:id="rId4"/>
   </p:sldIdLst>
   <p:sldSz cx="24384000" cy="13716000"/>
   <p:notesSz cx="6858000" cy="9144000"/>
@@ -30,7 +30,7 @@
       <a:buFontTx/>
       <a:buNone/>
       <a:tabLst/>
-      <a:defRPr b="0" baseline="0" cap="none" i="0" spc="0" strike="noStrike" sz="1800" u="none" kumimoji="0" normalizeH="0">
+      <a:defRPr kumimoji="0" sz="1800" b="0" i="0" u="none" strike="noStrike" cap="none" spc="0" normalizeH="0" baseline="0">
         <a:ln>
           <a:noFill/>
         </a:ln>
@@ -56,7 +56,7 @@
       <a:buFontTx/>
       <a:buNone/>
       <a:tabLst/>
-      <a:defRPr b="0" baseline="0" cap="none" i="0" spc="0" strike="noStrike" sz="2400" u="none" kumimoji="0" normalizeH="0">
+      <a:defRPr kumimoji="0" sz="2400" b="0" i="0" u="none" strike="noStrike" cap="none" spc="0" normalizeH="0" baseline="0">
         <a:ln>
           <a:noFill/>
         </a:ln>
@@ -86,7 +86,7 @@
       <a:buFontTx/>
       <a:buNone/>
       <a:tabLst/>
-      <a:defRPr b="0" baseline="0" cap="none" i="0" spc="0" strike="noStrike" sz="2400" u="none" kumimoji="0" normalizeH="0">
+      <a:defRPr kumimoji="0" sz="2400" b="0" i="0" u="none" strike="noStrike" cap="none" spc="0" normalizeH="0" baseline="0">
         <a:ln>
           <a:noFill/>
         </a:ln>
@@ -116,7 +116,7 @@
       <a:buFontTx/>
       <a:buNone/>
       <a:tabLst/>
-      <a:defRPr b="0" baseline="0" cap="none" i="0" spc="0" strike="noStrike" sz="2400" u="none" kumimoji="0" normalizeH="0">
+      <a:defRPr kumimoji="0" sz="2400" b="0" i="0" u="none" strike="noStrike" cap="none" spc="0" normalizeH="0" baseline="0">
         <a:ln>
           <a:noFill/>
         </a:ln>
@@ -146,7 +146,7 @@
       <a:buFontTx/>
       <a:buNone/>
       <a:tabLst/>
-      <a:defRPr b="0" baseline="0" cap="none" i="0" spc="0" strike="noStrike" sz="2400" u="none" kumimoji="0" normalizeH="0">
+      <a:defRPr kumimoji="0" sz="2400" b="0" i="0" u="none" strike="noStrike" cap="none" spc="0" normalizeH="0" baseline="0">
         <a:ln>
           <a:noFill/>
         </a:ln>
@@ -176,7 +176,7 @@
       <a:buFontTx/>
       <a:buNone/>
       <a:tabLst/>
-      <a:defRPr b="0" baseline="0" cap="none" i="0" spc="0" strike="noStrike" sz="2400" u="none" kumimoji="0" normalizeH="0">
+      <a:defRPr kumimoji="0" sz="2400" b="0" i="0" u="none" strike="noStrike" cap="none" spc="0" normalizeH="0" baseline="0">
         <a:ln>
           <a:noFill/>
         </a:ln>
@@ -206,7 +206,7 @@
       <a:buFontTx/>
       <a:buNone/>
       <a:tabLst/>
-      <a:defRPr b="0" baseline="0" cap="none" i="0" spc="0" strike="noStrike" sz="2400" u="none" kumimoji="0" normalizeH="0">
+      <a:defRPr kumimoji="0" sz="2400" b="0" i="0" u="none" strike="noStrike" cap="none" spc="0" normalizeH="0" baseline="0">
         <a:ln>
           <a:noFill/>
         </a:ln>
@@ -236,7 +236,7 @@
       <a:buFontTx/>
       <a:buNone/>
       <a:tabLst/>
-      <a:defRPr b="0" baseline="0" cap="none" i="0" spc="0" strike="noStrike" sz="2400" u="none" kumimoji="0" normalizeH="0">
+      <a:defRPr kumimoji="0" sz="2400" b="0" i="0" u="none" strike="noStrike" cap="none" spc="0" normalizeH="0" baseline="0">
         <a:ln>
           <a:noFill/>
         </a:ln>
@@ -266,7 +266,7 @@
       <a:buFontTx/>
       <a:buNone/>
       <a:tabLst/>
-      <a:defRPr b="0" baseline="0" cap="none" i="0" spc="0" strike="noStrike" sz="2400" u="none" kumimoji="0" normalizeH="0">
+      <a:defRPr kumimoji="0" sz="2400" b="0" i="0" u="none" strike="noStrike" cap="none" spc="0" normalizeH="0" baseline="0">
         <a:ln>
           <a:noFill/>
         </a:ln>
@@ -296,7 +296,7 @@
       <a:buFontTx/>
       <a:buNone/>
       <a:tabLst/>
-      <a:defRPr b="0" baseline="0" cap="none" i="0" spc="0" strike="noStrike" sz="2400" u="none" kumimoji="0" normalizeH="0">
+      <a:defRPr kumimoji="0" sz="2400" b="0" i="0" u="none" strike="noStrike" cap="none" spc="0" normalizeH="0" baseline="0">
         <a:ln>
           <a:noFill/>
         </a:ln>
@@ -315,13 +315,14 @@
 </p:presentation>
 </file>
 
-<file path=ppt/commentAuthors.xml><?xml version="1.0" encoding="utf-8"?>
-<p:cmAuthorLst xmlns:a="http://schemas.openxmlformats.org/drawingml/2006/main" xmlns:r="http://schemas.openxmlformats.org/officeDocument/2006/relationships" xmlns:p="http://schemas.openxmlformats.org/presentationml/2006/main" xmlns:m="http://schemas.openxmlformats.org/officeDocument/2006/math" xmlns:a14="http://schemas.microsoft.com/office/drawing/2010/main"/>
-</file>
-
 <file path=ppt/notesMasters/notesMaster1.xml><?xml version="1.0" encoding="utf-8"?>
-<p:notesMaster xmlns:a="http://schemas.openxmlformats.org/drawingml/2006/main" xmlns:r="http://schemas.openxmlformats.org/officeDocument/2006/relationships" xmlns:p="http://schemas.openxmlformats.org/presentationml/2006/main" xmlns:m="http://schemas.openxmlformats.org/officeDocument/2006/math" xmlns:a14="http://schemas.microsoft.com/office/drawing/2010/main">
+<p:notesMaster xmlns:a="http://schemas.openxmlformats.org/drawingml/2006/main" xmlns:r="http://schemas.openxmlformats.org/officeDocument/2006/relationships" xmlns:p="http://schemas.openxmlformats.org/presentationml/2006/main">
   <p:cSld>
+    <p:bg>
+      <p:bgRef idx="1001">
+        <a:schemeClr val="bg1"/>
+      </p:bgRef>
+    </p:bg>
     <p:spTree>
       <p:nvGrpSpPr>
         <p:cNvPr id="1" name=""/>
@@ -339,7 +340,9 @@
       <p:sp>
         <p:nvSpPr>
           <p:cNvPr id="59" name="Shape 59"/>
-          <p:cNvSpPr/>
+          <p:cNvSpPr>
+            <a:spLocks noGrp="1" noRot="1" noChangeAspect="1"/>
+          </p:cNvSpPr>
           <p:nvPr>
             <p:ph type="sldImg"/>
           </p:nvPr>
@@ -357,14 +360,16 @@
           <a:bodyPr/>
           <a:lstStyle/>
           <a:p>
-            <a:pPr/>
+            <a:endParaRPr/>
           </a:p>
         </p:txBody>
       </p:sp>
       <p:sp>
         <p:nvSpPr>
           <p:cNvPr id="60" name="Shape 60"/>
-          <p:cNvSpPr/>
+          <p:cNvSpPr>
+            <a:spLocks noGrp="1"/>
+          </p:cNvSpPr>
           <p:nvPr>
             <p:ph type="body" sz="quarter" idx="1"/>
           </p:nvPr>
@@ -382,7 +387,7 @@
           <a:bodyPr/>
           <a:lstStyle/>
           <a:p>
-            <a:pPr/>
+            <a:endParaRPr/>
           </a:p>
         </p:txBody>
       </p:sp>
@@ -494,7 +499,7 @@
 </file>
 
 <file path=ppt/slideLayouts/slideLayout1.xml><?xml version="1.0" encoding="utf-8"?>
-<p:sldLayout xmlns:a="http://schemas.openxmlformats.org/drawingml/2006/main" xmlns:r="http://schemas.openxmlformats.org/officeDocument/2006/relationships" xmlns:p="http://schemas.openxmlformats.org/presentationml/2006/main" xmlns:m="http://schemas.openxmlformats.org/officeDocument/2006/math" xmlns:a14="http://schemas.microsoft.com/office/drawing/2010/main" type="title" showMasterSp="1" showMasterPhAnim="1">
+<p:sldLayout xmlns:a="http://schemas.openxmlformats.org/drawingml/2006/main" xmlns:r="http://schemas.openxmlformats.org/officeDocument/2006/relationships" xmlns:p="http://schemas.openxmlformats.org/presentationml/2006/main" type="title">
   <p:cSld name="Title page">
     <p:spTree>
       <p:nvGrpSpPr>
@@ -513,7 +518,9 @@
       <p:sp>
         <p:nvSpPr>
           <p:cNvPr id="19" name="Name"/>
-          <p:cNvSpPr txBox="1"/>
+          <p:cNvSpPr txBox="1">
+            <a:spLocks noGrp="1"/>
+          </p:cNvSpPr>
           <p:nvPr>
             <p:ph type="body" sz="quarter" idx="21"/>
           </p:nvPr>
@@ -533,7 +540,7 @@
           </a:bodyPr>
           <a:lstStyle>
             <a:lvl1pPr algn="r">
-              <a:defRPr b="1" sz="4900">
+              <a:defRPr sz="4900" b="1">
                 <a:latin typeface="Helvetica Neue"/>
                 <a:ea typeface="Helvetica Neue"/>
                 <a:cs typeface="Helvetica Neue"/>
@@ -542,7 +549,6 @@
             </a:lvl1pPr>
           </a:lstStyle>
           <a:p>
-            <a:pPr/>
             <a:r>
               <a:t>Name</a:t>
             </a:r>
@@ -552,7 +558,9 @@
       <p:sp>
         <p:nvSpPr>
           <p:cNvPr id="20" name="Date"/>
-          <p:cNvSpPr txBox="1"/>
+          <p:cNvSpPr txBox="1">
+            <a:spLocks noGrp="1"/>
+          </p:cNvSpPr>
           <p:nvPr>
             <p:ph type="body" sz="quarter" idx="22"/>
           </p:nvPr>
@@ -584,7 +592,6 @@
             </a:lvl1pPr>
           </a:lstStyle>
           <a:p>
-            <a:pPr/>
             <a:r>
               <a:t>Date</a:t>
             </a:r>
@@ -594,7 +601,9 @@
       <p:sp>
         <p:nvSpPr>
           <p:cNvPr id="21" name="Title"/>
-          <p:cNvSpPr txBox="1"/>
+          <p:cNvSpPr txBox="1">
+            <a:spLocks noGrp="1"/>
+          </p:cNvSpPr>
           <p:nvPr>
             <p:ph type="body" sz="quarter" idx="23"/>
           </p:nvPr>
@@ -612,7 +621,7 @@
           <a:bodyPr anchor="b"/>
           <a:lstStyle>
             <a:lvl1pPr defTabSz="2438338">
-              <a:defRPr b="1" sz="10000">
+              <a:defRPr sz="10000" b="1">
                 <a:latin typeface="Helvetica Neue"/>
                 <a:ea typeface="Helvetica Neue"/>
                 <a:cs typeface="Helvetica Neue"/>
@@ -621,7 +630,6 @@
             </a:lvl1pPr>
           </a:lstStyle>
           <a:p>
-            <a:pPr/>
             <a:r>
               <a:t>Title</a:t>
             </a:r>
@@ -631,7 +639,9 @@
       <p:sp>
         <p:nvSpPr>
           <p:cNvPr id="22" name="Subtitle"/>
-          <p:cNvSpPr txBox="1"/>
+          <p:cNvSpPr txBox="1">
+            <a:spLocks noGrp="1"/>
+          </p:cNvSpPr>
           <p:nvPr>
             <p:ph type="body" sz="quarter" idx="24"/>
           </p:nvPr>
@@ -663,7 +673,6 @@
             </a:lvl1pPr>
           </a:lstStyle>
           <a:p>
-            <a:pPr/>
             <a:r>
               <a:t>Subtitle</a:t>
             </a:r>
@@ -673,7 +682,9 @@
       <p:sp>
         <p:nvSpPr>
           <p:cNvPr id="23" name="Slide Number"/>
-          <p:cNvSpPr txBox="1"/>
+          <p:cNvSpPr txBox="1">
+            <a:spLocks noGrp="1"/>
+          </p:cNvSpPr>
           <p:nvPr>
             <p:ph type="sldNum" sz="quarter" idx="2"/>
           </p:nvPr>
@@ -687,8 +698,10 @@
           <a:bodyPr/>
           <a:lstStyle/>
           <a:p>
-            <a:pPr/>
-            <a:fld id="{86CB4B4D-7CA3-9044-876B-883B54F8677D}" type="slidenum"/>
+            <a:fld id="{86CB4B4D-7CA3-9044-876B-883B54F8677D}" type="slidenum">
+              <a:t>‹#›</a:t>
+            </a:fld>
+            <a:endParaRPr/>
           </a:p>
         </p:txBody>
       </p:sp>
@@ -697,12 +710,12 @@
   <p:clrMapOvr>
     <a:masterClrMapping/>
   </p:clrMapOvr>
-  <p:transition xmlns:p14="http://schemas.microsoft.com/office/powerpoint/2010/main" spd="med" advClick="1"/>
+  <p:transition spd="med"/>
 </p:sldLayout>
 </file>
 
 <file path=ppt/slideLayouts/slideLayout2.xml><?xml version="1.0" encoding="utf-8"?>
-<p:sldLayout xmlns:a="http://schemas.openxmlformats.org/drawingml/2006/main" xmlns:r="http://schemas.openxmlformats.org/officeDocument/2006/relationships" xmlns:p="http://schemas.openxmlformats.org/presentationml/2006/main" xmlns:m="http://schemas.openxmlformats.org/officeDocument/2006/math" xmlns:a14="http://schemas.microsoft.com/office/drawing/2010/main" type="tx" showMasterSp="0" showMasterPhAnim="1">
+<p:sldLayout xmlns:a="http://schemas.openxmlformats.org/drawingml/2006/main" xmlns:r="http://schemas.openxmlformats.org/officeDocument/2006/relationships" xmlns:p="http://schemas.openxmlformats.org/presentationml/2006/main" showMasterSp="0" type="tx">
   <p:cSld name="Text and media">
     <p:spTree>
       <p:nvGrpSpPr>
@@ -737,7 +750,7 @@
           </a:ln>
           <a:extLst>
             <a:ext uri="{C572A759-6A51-4108-AA02-DFA0A04FC94B}">
-              <ma14:wrappingTextBoxFlag xmlns:ma14="http://schemas.microsoft.com/office/mac/drawingml/2011/main" val="1"/>
+              <ma14:wrappingTextBoxFlag xmlns:ma14="http://schemas.microsoft.com/office/mac/drawingml/2011/main" xmlns:a14="http://schemas.microsoft.com/office/drawing/2010/main" xmlns:m="http://schemas.openxmlformats.org/officeDocument/2006/math" xmlns="" val="1"/>
             </a:ext>
           </a:extLst>
         </p:spPr>
@@ -759,7 +772,6 @@
             </a:lvl1pPr>
           </a:lstStyle>
           <a:p>
-            <a:pPr/>
             <a:r>
               <a:t>Page</a:t>
             </a:r>
@@ -769,7 +781,9 @@
       <p:sp>
         <p:nvSpPr>
           <p:cNvPr id="31" name="Slide Number"/>
-          <p:cNvSpPr txBox="1"/>
+          <p:cNvSpPr txBox="1">
+            <a:spLocks noGrp="1"/>
+          </p:cNvSpPr>
           <p:nvPr>
             <p:ph type="sldNum" sz="quarter" idx="2"/>
           </p:nvPr>
@@ -791,8 +805,10 @@
             </a:lvl1pPr>
           </a:lstStyle>
           <a:p>
-            <a:pPr/>
-            <a:fld id="{86CB4B4D-7CA3-9044-876B-883B54F8677D}" type="slidenum"/>
+            <a:fld id="{86CB4B4D-7CA3-9044-876B-883B54F8677D}" type="slidenum">
+              <a:t>‹#›</a:t>
+            </a:fld>
+            <a:endParaRPr/>
           </a:p>
         </p:txBody>
       </p:sp>
@@ -805,9 +821,7 @@
           <p:nvPr/>
         </p:nvPicPr>
         <p:blipFill>
-          <a:blip r:embed="rId2">
-            <a:extLst/>
-          </a:blip>
+          <a:blip r:embed="rId2"/>
           <a:stretch>
             <a:fillRect/>
           </a:stretch>
@@ -844,7 +858,7 @@
           </a:ln>
           <a:extLst>
             <a:ext uri="{C572A759-6A51-4108-AA02-DFA0A04FC94B}">
-              <ma14:wrappingTextBoxFlag xmlns:ma14="http://schemas.microsoft.com/office/mac/drawingml/2011/main" val="1"/>
+              <ma14:wrappingTextBoxFlag xmlns:ma14="http://schemas.microsoft.com/office/mac/drawingml/2011/main" xmlns:a14="http://schemas.microsoft.com/office/drawing/2010/main" xmlns:m="http://schemas.openxmlformats.org/officeDocument/2006/math" xmlns="" val="1"/>
             </a:ext>
           </a:extLst>
         </p:spPr>
@@ -866,7 +880,6 @@
             </a:lvl1pPr>
           </a:lstStyle>
           <a:p>
-            <a:pPr/>
             <a:r>
               <a:t>Date  |  Name  |  Event </a:t>
             </a:r>
@@ -876,7 +889,9 @@
       <p:sp>
         <p:nvSpPr>
           <p:cNvPr id="34" name="Heading"/>
-          <p:cNvSpPr txBox="1"/>
+          <p:cNvSpPr txBox="1">
+            <a:spLocks noGrp="1"/>
+          </p:cNvSpPr>
           <p:nvPr>
             <p:ph type="body" sz="quarter" idx="21"/>
           </p:nvPr>
@@ -894,7 +909,7 @@
           <a:bodyPr/>
           <a:lstStyle>
             <a:lvl1pPr defTabSz="2438338">
-              <a:defRPr b="1" sz="6000">
+              <a:defRPr sz="6000" b="1">
                 <a:latin typeface="Helvetica Neue"/>
                 <a:ea typeface="Helvetica Neue"/>
                 <a:cs typeface="Helvetica Neue"/>
@@ -903,7 +918,6 @@
             </a:lvl1pPr>
           </a:lstStyle>
           <a:p>
-            <a:pPr/>
             <a:r>
               <a:t>Heading</a:t>
             </a:r>
@@ -913,7 +927,9 @@
       <p:sp>
         <p:nvSpPr>
           <p:cNvPr id="35" name="Subheading"/>
-          <p:cNvSpPr txBox="1"/>
+          <p:cNvSpPr txBox="1">
+            <a:spLocks noGrp="1"/>
+          </p:cNvSpPr>
           <p:nvPr>
             <p:ph type="body" sz="quarter" idx="22"/>
           </p:nvPr>
@@ -942,7 +958,6 @@
             </a:lvl1pPr>
           </a:lstStyle>
           <a:p>
-            <a:pPr/>
             <a:r>
               <a:t>Subheading</a:t>
             </a:r>
@@ -952,7 +967,9 @@
       <p:sp>
         <p:nvSpPr>
           <p:cNvPr id="36" name="Lorem ipsum dolor sit amet, consectetur adipiscing elit, sed do eiusmod tempor incididunt ut labore et dolore magna aliqua. Diam vulputate ut pharetra sit amet aliquam id diam.…"/>
-          <p:cNvSpPr txBox="1"/>
+          <p:cNvSpPr txBox="1">
+            <a:spLocks noGrp="1"/>
+          </p:cNvSpPr>
           <p:nvPr>
             <p:ph type="body" sz="half" idx="23"/>
           </p:nvPr>
@@ -1048,7 +1065,9 @@
       <p:sp>
         <p:nvSpPr>
           <p:cNvPr id="37" name="Image"/>
-          <p:cNvSpPr/>
+          <p:cNvSpPr>
+            <a:spLocks noGrp="1"/>
+          </p:cNvSpPr>
           <p:nvPr>
             <p:ph type="pic" idx="24"/>
           </p:nvPr>
@@ -1068,14 +1087,16 @@
           </a:bodyPr>
           <a:lstStyle/>
           <a:p>
-            <a:pPr/>
+            <a:endParaRPr/>
           </a:p>
         </p:txBody>
       </p:sp>
       <p:sp>
         <p:nvSpPr>
           <p:cNvPr id="38" name="Caption"/>
-          <p:cNvSpPr/>
+          <p:cNvSpPr>
+            <a:spLocks noGrp="1"/>
+          </p:cNvSpPr>
           <p:nvPr>
             <p:ph type="body" sz="quarter" idx="25"/>
           </p:nvPr>
@@ -1109,7 +1130,6 @@
             </a:lvl1pPr>
           </a:lstStyle>
           <a:p>
-            <a:pPr/>
             <a:r>
               <a:t>Caption</a:t>
             </a:r>
@@ -1121,18 +1141,19 @@
   <p:clrMapOvr>
     <a:masterClrMapping/>
   </p:clrMapOvr>
-  <p:transition xmlns:p14="http://schemas.microsoft.com/office/powerpoint/2010/main" spd="med" advClick="1"/>
+  <p:transition spd="med"/>
 </p:sldLayout>
 </file>
 
 <file path=ppt/slideLayouts/slideLayout3.xml><?xml version="1.0" encoding="utf-8"?>
-<p:sldLayout xmlns:a="http://schemas.openxmlformats.org/drawingml/2006/main" xmlns:r="http://schemas.openxmlformats.org/officeDocument/2006/relationships" xmlns:p="http://schemas.openxmlformats.org/presentationml/2006/main" xmlns:m="http://schemas.openxmlformats.org/officeDocument/2006/math" xmlns:a14="http://schemas.microsoft.com/office/drawing/2010/main" type="tx" showMasterSp="0" showMasterPhAnim="1">
+<p:sldLayout xmlns:a="http://schemas.openxmlformats.org/drawingml/2006/main" xmlns:r="http://schemas.openxmlformats.org/officeDocument/2006/relationships" xmlns:p="http://schemas.openxmlformats.org/presentationml/2006/main" showMasterSp="0" type="tx">
   <p:cSld name="Acknowledgements">
     <p:bg>
       <p:bgPr>
         <a:solidFill>
           <a:srgbClr val="000000"/>
         </a:solidFill>
+        <a:effectLst/>
       </p:bgPr>
     </p:bg>
     <p:spTree>
@@ -1158,10 +1179,8 @@
           <p:nvPr/>
         </p:nvPicPr>
         <p:blipFill>
-          <a:blip r:embed="rId2">
-            <a:extLst/>
-          </a:blip>
-          <a:srcRect l="9181" t="0" r="696" b="0"/>
+          <a:blip r:embed="rId2"/>
+          <a:srcRect l="9181" r="696"/>
           <a:stretch>
             <a:fillRect/>
           </a:stretch>
@@ -1198,17 +1217,17 @@
           </a:ln>
           <a:extLst>
             <a:ext uri="{C572A759-6A51-4108-AA02-DFA0A04FC94B}">
-              <ma14:wrappingTextBoxFlag xmlns:ma14="http://schemas.microsoft.com/office/mac/drawingml/2011/main" val="1"/>
+              <ma14:wrappingTextBoxFlag xmlns:ma14="http://schemas.microsoft.com/office/mac/drawingml/2011/main" xmlns:a14="http://schemas.microsoft.com/office/drawing/2010/main" xmlns:m="http://schemas.openxmlformats.org/officeDocument/2006/math" xmlns="" val="1"/>
             </a:ext>
           </a:extLst>
         </p:spPr>
         <p:txBody>
           <a:bodyPr lIns="50800" tIns="50800" rIns="50800" bIns="50800">
-            <a:normAutofit fontScale="100000" lnSpcReduction="0"/>
+            <a:normAutofit/>
           </a:bodyPr>
           <a:lstStyle>
             <a:lvl1pPr algn="l">
-              <a:defRPr b="1" sz="6000">
+              <a:defRPr sz="6000" b="1">
                 <a:solidFill>
                   <a:srgbClr val="FFFFFF"/>
                 </a:solidFill>
@@ -1216,7 +1235,6 @@
             </a:lvl1pPr>
           </a:lstStyle>
           <a:p>
-            <a:pPr/>
             <a:r>
               <a:t>Acknowledgements</a:t>
             </a:r>
@@ -1232,9 +1250,7 @@
           <p:nvPr/>
         </p:nvPicPr>
         <p:blipFill>
-          <a:blip r:embed="rId3">
-            <a:extLst/>
-          </a:blip>
+          <a:blip r:embed="rId3"/>
           <a:stretch>
             <a:fillRect/>
           </a:stretch>
@@ -1255,7 +1271,9 @@
       <p:sp>
         <p:nvSpPr>
           <p:cNvPr id="48" name="SPARTA team members:…"/>
-          <p:cNvSpPr txBox="1"/>
+          <p:cNvSpPr txBox="1">
+            <a:spLocks noGrp="1"/>
+          </p:cNvSpPr>
           <p:nvPr>
             <p:ph type="body" sz="quarter" idx="21"/>
           </p:nvPr>
@@ -1318,6 +1336,7 @@
                 <a:sym typeface="Helvetica Neue"/>
               </a:defRPr>
             </a:pPr>
+            <a:endParaRPr/>
           </a:p>
           <a:p>
             <a:pPr>
@@ -1376,9 +1395,7 @@
             <p:nvPr/>
           </p:nvPicPr>
           <p:blipFill>
-            <a:blip r:embed="rId4">
-              <a:extLst/>
-            </a:blip>
+            <a:blip r:embed="rId4"/>
             <a:srcRect l="3262" t="3980" r="5993" b="4438"/>
             <a:stretch>
               <a:fillRect/>
@@ -1409,7 +1426,7 @@
               </a:cxnLst>
               <a:rect l="0" t="0" r="r" b="b"/>
               <a:pathLst>
-                <a:path w="21600" h="21590" fill="norm" stroke="1" extrusionOk="0">
+                <a:path w="21600" h="21590" extrusionOk="0">
                   <a:moveTo>
                     <a:pt x="9606" y="2"/>
                   </a:moveTo>
@@ -1869,7 +1886,7 @@
             <a:effectLst/>
             <a:extLst>
               <a:ext uri="{C572A759-6A51-4108-AA02-DFA0A04FC94B}">
-                <ma14:wrappingTextBoxFlag xmlns:ma14="http://schemas.microsoft.com/office/mac/drawingml/2011/main" val="1"/>
+                <ma14:wrappingTextBoxFlag xmlns:ma14="http://schemas.microsoft.com/office/mac/drawingml/2011/main" xmlns:a14="http://schemas.microsoft.com/office/drawing/2010/main" xmlns:m="http://schemas.openxmlformats.org/officeDocument/2006/math" xmlns="" val="1"/>
               </a:ext>
             </a:extLst>
           </p:spPr>
@@ -1883,7 +1900,7 @@
                 <a:lnSpc>
                   <a:spcPct val="90000"/>
                 </a:lnSpc>
-                <a:defRPr spc="-45" sz="2300">
+                <a:defRPr sz="2300" spc="-45">
                   <a:solidFill>
                     <a:srgbClr val="FFFFFF"/>
                   </a:solidFill>
@@ -1894,17 +1911,17 @@
                 </a:defRPr>
               </a:pPr>
               <a:r>
-                <a:rPr spc="-84" sz="4200"/>
+                <a:rPr sz="4200" spc="-84"/>
                 <a:t>SPARTA</a:t>
               </a:r>
-              <a:endParaRPr spc="-85" sz="4300"/>
+              <a:endParaRPr sz="4300" spc="-85"/>
             </a:p>
             <a:p>
               <a:pPr algn="l">
                 <a:lnSpc>
                   <a:spcPct val="90000"/>
                 </a:lnSpc>
-                <a:defRPr spc="-53" sz="2700">
+                <a:defRPr sz="2700" spc="-53">
                   <a:solidFill>
                     <a:srgbClr val="FFFFFF"/>
                   </a:solidFill>
@@ -1925,9 +1942,7 @@
             <p:nvPr/>
           </p:nvPicPr>
           <p:blipFill>
-            <a:blip r:embed="rId5">
-              <a:extLst/>
-            </a:blip>
+            <a:blip r:embed="rId5"/>
             <a:stretch>
               <a:fillRect/>
             </a:stretch>
@@ -1951,7 +1966,9 @@
       <p:sp>
         <p:nvSpPr>
           <p:cNvPr id="53" name="Slide Number"/>
-          <p:cNvSpPr txBox="1"/>
+          <p:cNvSpPr txBox="1">
+            <a:spLocks noGrp="1"/>
+          </p:cNvSpPr>
           <p:nvPr>
             <p:ph type="sldNum" sz="quarter" idx="2"/>
           </p:nvPr>
@@ -1965,8 +1982,10 @@
           <a:bodyPr/>
           <a:lstStyle/>
           <a:p>
-            <a:pPr/>
-            <a:fld id="{86CB4B4D-7CA3-9044-876B-883B54F8677D}" type="slidenum"/>
+            <a:fld id="{86CB4B4D-7CA3-9044-876B-883B54F8677D}" type="slidenum">
+              <a:t>‹#›</a:t>
+            </a:fld>
+            <a:endParaRPr/>
           </a:p>
         </p:txBody>
       </p:sp>
@@ -1975,18 +1994,19 @@
   <p:clrMapOvr>
     <a:masterClrMapping/>
   </p:clrMapOvr>
-  <p:transition xmlns:p14="http://schemas.microsoft.com/office/powerpoint/2010/main" spd="med" advClick="1"/>
+  <p:transition spd="med"/>
 </p:sldLayout>
 </file>
 
 <file path=ppt/slideMasters/slideMaster1.xml><?xml version="1.0" encoding="utf-8"?>
-<p:sldMaster xmlns:a="http://schemas.openxmlformats.org/drawingml/2006/main" xmlns:r="http://schemas.openxmlformats.org/officeDocument/2006/relationships" xmlns:p="http://schemas.openxmlformats.org/presentationml/2006/main" xmlns:m="http://schemas.openxmlformats.org/officeDocument/2006/math" xmlns:a14="http://schemas.microsoft.com/office/drawing/2010/main">
+<p:sldMaster xmlns:a="http://schemas.openxmlformats.org/drawingml/2006/main" xmlns:r="http://schemas.openxmlformats.org/officeDocument/2006/relationships" xmlns:p="http://schemas.openxmlformats.org/presentationml/2006/main">
   <p:cSld>
     <p:bg>
       <p:bgPr>
         <a:solidFill>
           <a:srgbClr val="FFFFFF"/>
         </a:solidFill>
+        <a:effectLst/>
       </p:bgPr>
     </p:bg>
     <p:spTree>
@@ -2012,9 +2032,7 @@
           <p:nvPr/>
         </p:nvPicPr>
         <p:blipFill>
-          <a:blip r:embed="rId2">
-            <a:extLst/>
-          </a:blip>
+          <a:blip r:embed="rId5"/>
           <a:srcRect l="25373" t="11405" r="25767" b="12687"/>
           <a:stretch>
             <a:fillRect/>
@@ -2042,9 +2060,8 @@
           <p:nvPr/>
         </p:nvPicPr>
         <p:blipFill>
-          <a:blip r:embed="rId3">
+          <a:blip r:embed="rId6">
             <a:alphaModFix amt="10130"/>
-            <a:extLst/>
           </a:blip>
           <a:stretch>
             <a:fillRect/>
@@ -2072,9 +2089,8 @@
           <p:nvPr/>
         </p:nvPicPr>
         <p:blipFill>
-          <a:blip r:embed="rId4">
+          <a:blip r:embed="rId7">
             <a:alphaModFix amt="20069"/>
-            <a:extLst/>
           </a:blip>
           <a:stretch>
             <a:fillRect/>
@@ -2112,7 +2128,7 @@
           </a:ln>
           <a:extLst>
             <a:ext uri="{C572A759-6A51-4108-AA02-DFA0A04FC94B}">
-              <ma14:wrappingTextBoxFlag xmlns:ma14="http://schemas.microsoft.com/office/mac/drawingml/2011/main" val="1"/>
+              <ma14:wrappingTextBoxFlag xmlns:ma14="http://schemas.microsoft.com/office/mac/drawingml/2011/main" xmlns:a14="http://schemas.microsoft.com/office/drawing/2010/main" xmlns:m="http://schemas.openxmlformats.org/officeDocument/2006/math" xmlns="" val="1"/>
             </a:ext>
           </a:extLst>
         </p:spPr>
@@ -2130,7 +2146,6 @@
             </a:lvl1pPr>
           </a:lstStyle>
           <a:p>
-            <a:pPr/>
             <a:r>
               <a:t>Department of Physics, University of Oslo</a:t>
             </a:r>
@@ -2160,9 +2175,7 @@
             <p:nvPr/>
           </p:nvPicPr>
           <p:blipFill>
-            <a:blip r:embed="rId5">
-              <a:extLst/>
-            </a:blip>
+            <a:blip r:embed="rId8"/>
             <a:srcRect l="3262" t="3980" r="5993" b="4438"/>
             <a:stretch>
               <a:fillRect/>
@@ -2193,7 +2206,7 @@
               </a:cxnLst>
               <a:rect l="0" t="0" r="r" b="b"/>
               <a:pathLst>
-                <a:path w="21600" h="21590" fill="norm" stroke="1" extrusionOk="0">
+                <a:path w="21600" h="21590" extrusionOk="0">
                   <a:moveTo>
                     <a:pt x="9606" y="2"/>
                   </a:moveTo>
@@ -2653,7 +2666,7 @@
             <a:effectLst/>
             <a:extLst>
               <a:ext uri="{C572A759-6A51-4108-AA02-DFA0A04FC94B}">
-                <ma14:wrappingTextBoxFlag xmlns:ma14="http://schemas.microsoft.com/office/mac/drawingml/2011/main" val="1"/>
+                <ma14:wrappingTextBoxFlag xmlns:ma14="http://schemas.microsoft.com/office/mac/drawingml/2011/main" xmlns:a14="http://schemas.microsoft.com/office/drawing/2010/main" xmlns:m="http://schemas.openxmlformats.org/officeDocument/2006/math" xmlns="" val="1"/>
               </a:ext>
             </a:extLst>
           </p:spPr>
@@ -2667,7 +2680,7 @@
                 <a:lnSpc>
                   <a:spcPct val="90000"/>
                 </a:lnSpc>
-                <a:defRPr spc="-45" sz="2300">
+                <a:defRPr sz="2300" spc="-45">
                   <a:solidFill>
                     <a:srgbClr val="FFFFFF"/>
                   </a:solidFill>
@@ -2678,17 +2691,17 @@
                 </a:defRPr>
               </a:pPr>
               <a:r>
-                <a:rPr spc="-84" sz="4200"/>
+                <a:rPr sz="4200" spc="-84"/>
                 <a:t>SPARTA</a:t>
               </a:r>
-              <a:endParaRPr spc="-85" sz="4300"/>
+              <a:endParaRPr sz="4300" spc="-85"/>
             </a:p>
             <a:p>
               <a:pPr algn="l">
                 <a:lnSpc>
                   <a:spcPct val="90000"/>
                 </a:lnSpc>
-                <a:defRPr spc="-53" sz="2700">
+                <a:defRPr sz="2700" spc="-53">
                   <a:solidFill>
                     <a:srgbClr val="FFFFFF"/>
                   </a:solidFill>
@@ -2709,9 +2722,7 @@
             <p:nvPr/>
           </p:nvPicPr>
           <p:blipFill>
-            <a:blip r:embed="rId6">
-              <a:extLst/>
-            </a:blip>
+            <a:blip r:embed="rId9"/>
             <a:stretch>
               <a:fillRect/>
             </a:stretch>
@@ -2735,7 +2746,9 @@
       <p:sp>
         <p:nvSpPr>
           <p:cNvPr id="10" name="Presentation Title"/>
-          <p:cNvSpPr txBox="1"/>
+          <p:cNvSpPr txBox="1">
+            <a:spLocks noGrp="1"/>
+          </p:cNvSpPr>
           <p:nvPr>
             <p:ph type="title" hasCustomPrompt="1"/>
           </p:nvPr>
@@ -2753,17 +2766,16 @@
           </a:ln>
           <a:extLst>
             <a:ext uri="{C572A759-6A51-4108-AA02-DFA0A04FC94B}">
-              <ma14:wrappingTextBoxFlag xmlns:ma14="http://schemas.microsoft.com/office/mac/drawingml/2011/main" val="1"/>
+              <ma14:wrappingTextBoxFlag xmlns:ma14="http://schemas.microsoft.com/office/mac/drawingml/2011/main" xmlns:a14="http://schemas.microsoft.com/office/drawing/2010/main" xmlns:m="http://schemas.openxmlformats.org/officeDocument/2006/math" xmlns="" val="1"/>
             </a:ext>
           </a:extLst>
         </p:spPr>
         <p:txBody>
           <a:bodyPr lIns="50800" tIns="50800" rIns="50800" bIns="50800">
-            <a:normAutofit fontScale="100000" lnSpcReduction="0"/>
+            <a:normAutofit/>
           </a:bodyPr>
           <a:lstStyle/>
           <a:p>
-            <a:pPr/>
             <a:r>
               <a:t>Presentation Title</a:t>
             </a:r>
@@ -2773,7 +2785,9 @@
       <p:sp>
         <p:nvSpPr>
           <p:cNvPr id="11" name="Body Level One…"/>
-          <p:cNvSpPr txBox="1"/>
+          <p:cNvSpPr txBox="1">
+            <a:spLocks noGrp="1"/>
+          </p:cNvSpPr>
           <p:nvPr>
             <p:ph type="body" idx="1" hasCustomPrompt="1"/>
           </p:nvPr>
@@ -2791,51 +2805,44 @@
           </a:ln>
           <a:extLst>
             <a:ext uri="{C572A759-6A51-4108-AA02-DFA0A04FC94B}">
-              <ma14:wrappingTextBoxFlag xmlns:ma14="http://schemas.microsoft.com/office/mac/drawingml/2011/main" val="1"/>
+              <ma14:wrappingTextBoxFlag xmlns:ma14="http://schemas.microsoft.com/office/mac/drawingml/2011/main" xmlns:a14="http://schemas.microsoft.com/office/drawing/2010/main" xmlns:m="http://schemas.openxmlformats.org/officeDocument/2006/math" xmlns="" val="1"/>
             </a:ext>
           </a:extLst>
         </p:spPr>
         <p:txBody>
           <a:bodyPr lIns="50800" tIns="50800" rIns="50800" bIns="50800">
-            <a:normAutofit fontScale="100000" lnSpcReduction="0"/>
+            <a:normAutofit/>
           </a:bodyPr>
           <a:lstStyle/>
           <a:p>
-            <a:pPr/>
             <a:r>
               <a:t>Presentation Subtitle</a:t>
             </a:r>
           </a:p>
           <a:p>
             <a:pPr lvl="1"/>
-            <a:r>
-              <a:t/>
-            </a:r>
+            <a:endParaRPr/>
           </a:p>
           <a:p>
             <a:pPr lvl="2"/>
-            <a:r>
-              <a:t/>
-            </a:r>
+            <a:endParaRPr/>
           </a:p>
           <a:p>
             <a:pPr lvl="3"/>
-            <a:r>
-              <a:t/>
-            </a:r>
+            <a:endParaRPr/>
           </a:p>
           <a:p>
             <a:pPr lvl="4"/>
-            <a:r>
-              <a:t/>
-            </a:r>
+            <a:endParaRPr/>
           </a:p>
         </p:txBody>
       </p:sp>
       <p:sp>
         <p:nvSpPr>
           <p:cNvPr id="12" name="Slide Number"/>
-          <p:cNvSpPr txBox="1"/>
+          <p:cNvSpPr txBox="1">
+            <a:spLocks noGrp="1"/>
+          </p:cNvSpPr>
           <p:nvPr>
             <p:ph type="sldNum" sz="quarter" idx="2"/>
           </p:nvPr>
@@ -2870,8 +2877,10 @@
             </a:lvl1pPr>
           </a:lstStyle>
           <a:p>
-            <a:pPr/>
-            <a:fld id="{86CB4B4D-7CA3-9044-876B-883B54F8677D}" type="slidenum"/>
+            <a:fld id="{86CB4B4D-7CA3-9044-876B-883B54F8677D}" type="slidenum">
+              <a:t>‹#›</a:t>
+            </a:fld>
+            <a:endParaRPr/>
           </a:p>
         </p:txBody>
       </p:sp>
@@ -2879,11 +2888,11 @@
   </p:cSld>
   <p:clrMap bg1="lt1" tx1="dk1" bg2="lt2" tx2="dk2" accent1="accent1" accent2="accent2" accent3="accent3" accent4="accent4" accent5="accent5" accent6="accent6" hlink="hlink" folHlink="folHlink"/>
   <p:sldLayoutIdLst>
-    <p:sldLayoutId id="2147483649" r:id="rId7"/>
-    <p:sldLayoutId id="2147483650" r:id="rId8"/>
-    <p:sldLayoutId id="2147483651" r:id="rId9"/>
+    <p:sldLayoutId id="2147483649" r:id="rId1"/>
+    <p:sldLayoutId id="2147483650" r:id="rId2"/>
+    <p:sldLayoutId id="2147483651" r:id="rId3"/>
   </p:sldLayoutIdLst>
-  <p:transition xmlns:p14="http://schemas.microsoft.com/office/powerpoint/2010/main" spd="med" advClick="1"/>
+  <p:transition spd="med"/>
   <p:txStyles>
     <p:titleStyle>
       <a:lvl1pPr marL="0" marR="0" indent="0" algn="l" defTabSz="2438338" rtl="0" latinLnBrk="0">
@@ -2901,7 +2910,7 @@
         <a:buFontTx/>
         <a:buNone/>
         <a:tabLst/>
-        <a:defRPr b="0" baseline="0" cap="none" i="0" spc="0" strike="noStrike" sz="9000" u="none">
+        <a:defRPr sz="9000" b="0" i="0" u="none" strike="noStrike" cap="none" spc="0" baseline="0">
           <a:solidFill>
             <a:srgbClr val="000000"/>
           </a:solidFill>
@@ -2927,7 +2936,7 @@
         <a:buFontTx/>
         <a:buNone/>
         <a:tabLst/>
-        <a:defRPr b="0" baseline="0" cap="none" i="0" spc="0" strike="noStrike" sz="9000" u="none">
+        <a:defRPr sz="9000" b="0" i="0" u="none" strike="noStrike" cap="none" spc="0" baseline="0">
           <a:solidFill>
             <a:srgbClr val="000000"/>
           </a:solidFill>
@@ -2953,7 +2962,7 @@
         <a:buFontTx/>
         <a:buNone/>
         <a:tabLst/>
-        <a:defRPr b="0" baseline="0" cap="none" i="0" spc="0" strike="noStrike" sz="9000" u="none">
+        <a:defRPr sz="9000" b="0" i="0" u="none" strike="noStrike" cap="none" spc="0" baseline="0">
           <a:solidFill>
             <a:srgbClr val="000000"/>
           </a:solidFill>
@@ -2979,7 +2988,7 @@
         <a:buFontTx/>
         <a:buNone/>
         <a:tabLst/>
-        <a:defRPr b="0" baseline="0" cap="none" i="0" spc="0" strike="noStrike" sz="9000" u="none">
+        <a:defRPr sz="9000" b="0" i="0" u="none" strike="noStrike" cap="none" spc="0" baseline="0">
           <a:solidFill>
             <a:srgbClr val="000000"/>
           </a:solidFill>
@@ -3005,7 +3014,7 @@
         <a:buFontTx/>
         <a:buNone/>
         <a:tabLst/>
-        <a:defRPr b="0" baseline="0" cap="none" i="0" spc="0" strike="noStrike" sz="9000" u="none">
+        <a:defRPr sz="9000" b="0" i="0" u="none" strike="noStrike" cap="none" spc="0" baseline="0">
           <a:solidFill>
             <a:srgbClr val="000000"/>
           </a:solidFill>
@@ -3031,7 +3040,7 @@
         <a:buFontTx/>
         <a:buNone/>
         <a:tabLst/>
-        <a:defRPr b="0" baseline="0" cap="none" i="0" spc="0" strike="noStrike" sz="9000" u="none">
+        <a:defRPr sz="9000" b="0" i="0" u="none" strike="noStrike" cap="none" spc="0" baseline="0">
           <a:solidFill>
             <a:srgbClr val="000000"/>
           </a:solidFill>
@@ -3057,7 +3066,7 @@
         <a:buFontTx/>
         <a:buNone/>
         <a:tabLst/>
-        <a:defRPr b="0" baseline="0" cap="none" i="0" spc="0" strike="noStrike" sz="9000" u="none">
+        <a:defRPr sz="9000" b="0" i="0" u="none" strike="noStrike" cap="none" spc="0" baseline="0">
           <a:solidFill>
             <a:srgbClr val="000000"/>
           </a:solidFill>
@@ -3083,7 +3092,7 @@
         <a:buFontTx/>
         <a:buNone/>
         <a:tabLst/>
-        <a:defRPr b="0" baseline="0" cap="none" i="0" spc="0" strike="noStrike" sz="9000" u="none">
+        <a:defRPr sz="9000" b="0" i="0" u="none" strike="noStrike" cap="none" spc="0" baseline="0">
           <a:solidFill>
             <a:srgbClr val="000000"/>
           </a:solidFill>
@@ -3109,7 +3118,7 @@
         <a:buFontTx/>
         <a:buNone/>
         <a:tabLst/>
-        <a:defRPr b="0" baseline="0" cap="none" i="0" spc="0" strike="noStrike" sz="9000" u="none">
+        <a:defRPr sz="9000" b="0" i="0" u="none" strike="noStrike" cap="none" spc="0" baseline="0">
           <a:solidFill>
             <a:srgbClr val="000000"/>
           </a:solidFill>
@@ -3137,7 +3146,7 @@
         <a:buFontTx/>
         <a:buNone/>
         <a:tabLst/>
-        <a:defRPr b="0" baseline="0" cap="none" i="0" spc="0" strike="noStrike" sz="3500" u="none">
+        <a:defRPr sz="3500" b="0" i="0" u="none" strike="noStrike" cap="none" spc="0" baseline="0">
           <a:solidFill>
             <a:srgbClr val="000000"/>
           </a:solidFill>
@@ -3163,7 +3172,7 @@
         <a:buFontTx/>
         <a:buNone/>
         <a:tabLst/>
-        <a:defRPr b="0" baseline="0" cap="none" i="0" spc="0" strike="noStrike" sz="3500" u="none">
+        <a:defRPr sz="3500" b="0" i="0" u="none" strike="noStrike" cap="none" spc="0" baseline="0">
           <a:solidFill>
             <a:srgbClr val="000000"/>
           </a:solidFill>
@@ -3189,7 +3198,7 @@
         <a:buFontTx/>
         <a:buNone/>
         <a:tabLst/>
-        <a:defRPr b="0" baseline="0" cap="none" i="0" spc="0" strike="noStrike" sz="3500" u="none">
+        <a:defRPr sz="3500" b="0" i="0" u="none" strike="noStrike" cap="none" spc="0" baseline="0">
           <a:solidFill>
             <a:srgbClr val="000000"/>
           </a:solidFill>
@@ -3215,7 +3224,7 @@
         <a:buFontTx/>
         <a:buNone/>
         <a:tabLst/>
-        <a:defRPr b="0" baseline="0" cap="none" i="0" spc="0" strike="noStrike" sz="3500" u="none">
+        <a:defRPr sz="3500" b="0" i="0" u="none" strike="noStrike" cap="none" spc="0" baseline="0">
           <a:solidFill>
             <a:srgbClr val="000000"/>
           </a:solidFill>
@@ -3241,7 +3250,7 @@
         <a:buFontTx/>
         <a:buNone/>
         <a:tabLst/>
-        <a:defRPr b="0" baseline="0" cap="none" i="0" spc="0" strike="noStrike" sz="3500" u="none">
+        <a:defRPr sz="3500" b="0" i="0" u="none" strike="noStrike" cap="none" spc="0" baseline="0">
           <a:solidFill>
             <a:srgbClr val="000000"/>
           </a:solidFill>
@@ -3267,7 +3276,7 @@
         <a:buFontTx/>
         <a:buNone/>
         <a:tabLst/>
-        <a:defRPr b="0" baseline="0" cap="none" i="0" spc="0" strike="noStrike" sz="3500" u="none">
+        <a:defRPr sz="3500" b="0" i="0" u="none" strike="noStrike" cap="none" spc="0" baseline="0">
           <a:solidFill>
             <a:srgbClr val="000000"/>
           </a:solidFill>
@@ -3293,7 +3302,7 @@
         <a:buFontTx/>
         <a:buNone/>
         <a:tabLst/>
-        <a:defRPr b="0" baseline="0" cap="none" i="0" spc="0" strike="noStrike" sz="3500" u="none">
+        <a:defRPr sz="3500" b="0" i="0" u="none" strike="noStrike" cap="none" spc="0" baseline="0">
           <a:solidFill>
             <a:srgbClr val="000000"/>
           </a:solidFill>
@@ -3319,7 +3328,7 @@
         <a:buFontTx/>
         <a:buNone/>
         <a:tabLst/>
-        <a:defRPr b="0" baseline="0" cap="none" i="0" spc="0" strike="noStrike" sz="3500" u="none">
+        <a:defRPr sz="3500" b="0" i="0" u="none" strike="noStrike" cap="none" spc="0" baseline="0">
           <a:solidFill>
             <a:srgbClr val="000000"/>
           </a:solidFill>
@@ -3345,7 +3354,7 @@
         <a:buFontTx/>
         <a:buNone/>
         <a:tabLst/>
-        <a:defRPr b="0" baseline="0" cap="none" i="0" spc="0" strike="noStrike" sz="3500" u="none">
+        <a:defRPr sz="3500" b="0" i="0" u="none" strike="noStrike" cap="none" spc="0" baseline="0">
           <a:solidFill>
             <a:srgbClr val="000000"/>
           </a:solidFill>
@@ -3373,7 +3382,7 @@
         <a:buFontTx/>
         <a:buNone/>
         <a:tabLst/>
-        <a:defRPr b="0" baseline="0" cap="none" i="0" spc="0" strike="noStrike" sz="1500" u="none">
+        <a:defRPr sz="1500" b="0" i="0" u="none" strike="noStrike" cap="none" spc="0" baseline="0">
           <a:solidFill>
             <a:schemeClr val="tx1"/>
           </a:solidFill>
@@ -3399,7 +3408,7 @@
         <a:buFontTx/>
         <a:buNone/>
         <a:tabLst/>
-        <a:defRPr b="0" baseline="0" cap="none" i="0" spc="0" strike="noStrike" sz="1500" u="none">
+        <a:defRPr sz="1500" b="0" i="0" u="none" strike="noStrike" cap="none" spc="0" baseline="0">
           <a:solidFill>
             <a:schemeClr val="tx1"/>
           </a:solidFill>
@@ -3425,7 +3434,7 @@
         <a:buFontTx/>
         <a:buNone/>
         <a:tabLst/>
-        <a:defRPr b="0" baseline="0" cap="none" i="0" spc="0" strike="noStrike" sz="1500" u="none">
+        <a:defRPr sz="1500" b="0" i="0" u="none" strike="noStrike" cap="none" spc="0" baseline="0">
           <a:solidFill>
             <a:schemeClr val="tx1"/>
           </a:solidFill>
@@ -3451,7 +3460,7 @@
         <a:buFontTx/>
         <a:buNone/>
         <a:tabLst/>
-        <a:defRPr b="0" baseline="0" cap="none" i="0" spc="0" strike="noStrike" sz="1500" u="none">
+        <a:defRPr sz="1500" b="0" i="0" u="none" strike="noStrike" cap="none" spc="0" baseline="0">
           <a:solidFill>
             <a:schemeClr val="tx1"/>
           </a:solidFill>
@@ -3477,7 +3486,7 @@
         <a:buFontTx/>
         <a:buNone/>
         <a:tabLst/>
-        <a:defRPr b="0" baseline="0" cap="none" i="0" spc="0" strike="noStrike" sz="1500" u="none">
+        <a:defRPr sz="1500" b="0" i="0" u="none" strike="noStrike" cap="none" spc="0" baseline="0">
           <a:solidFill>
             <a:schemeClr val="tx1"/>
           </a:solidFill>
@@ -3503,7 +3512,7 @@
         <a:buFontTx/>
         <a:buNone/>
         <a:tabLst/>
-        <a:defRPr b="0" baseline="0" cap="none" i="0" spc="0" strike="noStrike" sz="1500" u="none">
+        <a:defRPr sz="1500" b="0" i="0" u="none" strike="noStrike" cap="none" spc="0" baseline="0">
           <a:solidFill>
             <a:schemeClr val="tx1"/>
           </a:solidFill>
@@ -3529,7 +3538,7 @@
         <a:buFontTx/>
         <a:buNone/>
         <a:tabLst/>
-        <a:defRPr b="0" baseline="0" cap="none" i="0" spc="0" strike="noStrike" sz="1500" u="none">
+        <a:defRPr sz="1500" b="0" i="0" u="none" strike="noStrike" cap="none" spc="0" baseline="0">
           <a:solidFill>
             <a:schemeClr val="tx1"/>
           </a:solidFill>
@@ -3555,7 +3564,7 @@
         <a:buFontTx/>
         <a:buNone/>
         <a:tabLst/>
-        <a:defRPr b="0" baseline="0" cap="none" i="0" spc="0" strike="noStrike" sz="1500" u="none">
+        <a:defRPr sz="1500" b="0" i="0" u="none" strike="noStrike" cap="none" spc="0" baseline="0">
           <a:solidFill>
             <a:schemeClr val="tx1"/>
           </a:solidFill>
@@ -3581,7 +3590,7 @@
         <a:buFontTx/>
         <a:buNone/>
         <a:tabLst/>
-        <a:defRPr b="0" baseline="0" cap="none" i="0" spc="0" strike="noStrike" sz="1500" u="none">
+        <a:defRPr sz="1500" b="0" i="0" u="none" strike="noStrike" cap="none" spc="0" baseline="0">
           <a:solidFill>
             <a:schemeClr val="tx1"/>
           </a:solidFill>
@@ -3598,7 +3607,7 @@
 </file>
 
 <file path=ppt/slides/slide1.xml><?xml version="1.0" encoding="utf-8"?>
-<p:sld xmlns:a="http://schemas.openxmlformats.org/drawingml/2006/main" xmlns:r="http://schemas.openxmlformats.org/officeDocument/2006/relationships" xmlns:p="http://schemas.openxmlformats.org/presentationml/2006/main" xmlns:m="http://schemas.openxmlformats.org/officeDocument/2006/math" xmlns:a14="http://schemas.microsoft.com/office/drawing/2010/main" showMasterSp="1" showMasterPhAnim="1">
+<p:sld xmlns:a="http://schemas.openxmlformats.org/drawingml/2006/main" xmlns:r="http://schemas.openxmlformats.org/officeDocument/2006/relationships" xmlns:p="http://schemas.openxmlformats.org/presentationml/2006/main">
   <p:cSld>
     <p:spTree>
       <p:nvGrpSpPr>
@@ -3623,9 +3632,7 @@
           <p:nvPr/>
         </p:nvPicPr>
         <p:blipFill>
-          <a:blip r:embed="rId2">
-            <a:extLst/>
-          </a:blip>
+          <a:blip r:embed="rId2"/>
           <a:srcRect l="25373" t="11405" r="25767" b="12687"/>
           <a:stretch>
             <a:fillRect/>
@@ -3655,7 +3662,6 @@
         <p:blipFill>
           <a:blip r:embed="rId3">
             <a:alphaModFix amt="10130"/>
-            <a:extLst/>
           </a:blip>
           <a:stretch>
             <a:fillRect/>
@@ -3685,7 +3691,6 @@
         <p:blipFill>
           <a:blip r:embed="rId4">
             <a:alphaModFix amt="20069"/>
-            <a:extLst/>
           </a:blip>
           <a:stretch>
             <a:fillRect/>
@@ -3707,7 +3712,9 @@
       <p:sp>
         <p:nvSpPr>
           <p:cNvPr id="65" name="Name"/>
-          <p:cNvSpPr txBox="1"/>
+          <p:cNvSpPr txBox="1">
+            <a:spLocks noGrp="1"/>
+          </p:cNvSpPr>
           <p:nvPr>
             <p:ph type="body" idx="21"/>
           </p:nvPr>
@@ -3721,7 +3728,6 @@
           <a:bodyPr/>
           <a:lstStyle/>
           <a:p>
-            <a:pPr/>
             <a:r>
               <a:t>Name</a:t>
             </a:r>
@@ -3747,7 +3753,7 @@
           </a:ln>
           <a:extLst>
             <a:ext uri="{C572A759-6A51-4108-AA02-DFA0A04FC94B}">
-              <ma14:wrappingTextBoxFlag xmlns:ma14="http://schemas.microsoft.com/office/mac/drawingml/2011/main" val="1"/>
+              <ma14:wrappingTextBoxFlag xmlns:ma14="http://schemas.microsoft.com/office/mac/drawingml/2011/main" xmlns:a14="http://schemas.microsoft.com/office/drawing/2010/main" xmlns:m="http://schemas.openxmlformats.org/officeDocument/2006/math" xmlns="" val="1"/>
             </a:ext>
           </a:extLst>
         </p:spPr>
@@ -3765,7 +3771,6 @@
             </a:lvl1pPr>
           </a:lstStyle>
           <a:p>
-            <a:pPr/>
             <a:r>
               <a:t>Department of Physics, University of Oslo</a:t>
             </a:r>
@@ -3775,7 +3780,9 @@
       <p:sp>
         <p:nvSpPr>
           <p:cNvPr id="67" name="Date"/>
-          <p:cNvSpPr txBox="1"/>
+          <p:cNvSpPr txBox="1">
+            <a:spLocks noGrp="1"/>
+          </p:cNvSpPr>
           <p:nvPr>
             <p:ph type="body" idx="22"/>
           </p:nvPr>
@@ -3789,7 +3796,6 @@
           <a:bodyPr/>
           <a:lstStyle/>
           <a:p>
-            <a:pPr/>
             <a:r>
               <a:t>Date</a:t>
             </a:r>
@@ -3799,7 +3805,9 @@
       <p:sp>
         <p:nvSpPr>
           <p:cNvPr id="68" name="Title"/>
-          <p:cNvSpPr txBox="1"/>
+          <p:cNvSpPr txBox="1">
+            <a:spLocks noGrp="1"/>
+          </p:cNvSpPr>
           <p:nvPr>
             <p:ph type="body" idx="23"/>
           </p:nvPr>
@@ -3813,7 +3821,6 @@
           <a:bodyPr/>
           <a:lstStyle/>
           <a:p>
-            <a:pPr/>
             <a:r>
               <a:t>Title</a:t>
             </a:r>
@@ -3823,7 +3830,9 @@
       <p:sp>
         <p:nvSpPr>
           <p:cNvPr id="69" name="Subtitle"/>
-          <p:cNvSpPr txBox="1"/>
+          <p:cNvSpPr txBox="1">
+            <a:spLocks noGrp="1"/>
+          </p:cNvSpPr>
           <p:nvPr>
             <p:ph type="body" idx="24"/>
           </p:nvPr>
@@ -3837,7 +3846,6 @@
           <a:bodyPr/>
           <a:lstStyle/>
           <a:p>
-            <a:pPr/>
             <a:r>
               <a:t>Subtitle</a:t>
             </a:r>
@@ -3853,9 +3861,9 @@
         <p:grpSpPr>
           <a:xfrm>
             <a:off x="19143211" y="515802"/>
-            <a:ext cx="4629241" cy="1282642"/>
+            <a:ext cx="4773446" cy="1282643"/>
             <a:chOff x="0" y="0"/>
-            <a:chExt cx="4629240" cy="1282641"/>
+            <a:chExt cx="4773445" cy="1282642"/>
           </a:xfrm>
         </p:grpSpPr>
         <p:pic>
@@ -3867,9 +3875,7 @@
             <p:nvPr/>
           </p:nvPicPr>
           <p:blipFill>
-            <a:blip r:embed="rId5">
-              <a:extLst/>
-            </a:blip>
+            <a:blip r:embed="rId5"/>
             <a:srcRect l="3262" t="3980" r="5993" b="4438"/>
             <a:stretch>
               <a:fillRect/>
@@ -3900,7 +3906,7 @@
               </a:cxnLst>
               <a:rect l="0" t="0" r="r" b="b"/>
               <a:pathLst>
-                <a:path w="21600" h="21590" fill="norm" stroke="1" extrusionOk="0">
+                <a:path w="21600" h="21590" extrusionOk="0">
                   <a:moveTo>
                     <a:pt x="9606" y="2"/>
                   </a:moveTo>
@@ -4347,7 +4353,7 @@
           <p:spPr>
             <a:xfrm>
               <a:off x="2529321" y="0"/>
-              <a:ext cx="2099920" cy="1147210"/>
+              <a:ext cx="2244124" cy="1147210"/>
             </a:xfrm>
             <a:prstGeom prst="rect">
               <a:avLst/>
@@ -4360,7 +4366,7 @@
             <a:effectLst/>
             <a:extLst>
               <a:ext uri="{C572A759-6A51-4108-AA02-DFA0A04FC94B}">
-                <ma14:wrappingTextBoxFlag xmlns:ma14="http://schemas.microsoft.com/office/mac/drawingml/2011/main" val="1"/>
+                <ma14:wrappingTextBoxFlag xmlns:ma14="http://schemas.microsoft.com/office/mac/drawingml/2011/main" xmlns:a14="http://schemas.microsoft.com/office/drawing/2010/main" xmlns:m="http://schemas.openxmlformats.org/officeDocument/2006/math" xmlns="" val="1"/>
               </a:ext>
             </a:extLst>
           </p:spPr>
@@ -4374,7 +4380,7 @@
                 <a:lnSpc>
                   <a:spcPct val="90000"/>
                 </a:lnSpc>
-                <a:defRPr spc="-45" sz="2300">
+                <a:defRPr sz="2300" spc="-45">
                   <a:solidFill>
                     <a:srgbClr val="FFFFFF"/>
                   </a:solidFill>
@@ -4385,23 +4391,24 @@
                 </a:defRPr>
               </a:pPr>
               <a:r>
-                <a:rPr spc="-84" sz="4200"/>
+                <a:rPr sz="4200" spc="-84" dirty="0"/>
                 <a:t>SPARTA</a:t>
               </a:r>
-              <a:endParaRPr spc="-85" sz="4300"/>
+              <a:endParaRPr sz="4300" spc="-85" dirty="0"/>
             </a:p>
             <a:p>
               <a:pPr algn="l">
                 <a:lnSpc>
                   <a:spcPct val="90000"/>
                 </a:lnSpc>
-                <a:defRPr spc="-53" sz="2700">
+                <a:defRPr sz="2700" spc="-53">
                   <a:solidFill>
                     <a:srgbClr val="FFFFFF"/>
                   </a:solidFill>
                 </a:defRPr>
               </a:pPr>
               <a:r>
+                <a:rPr dirty="0"/>
                 <a:t>ERC project</a:t>
               </a:r>
             </a:p>
@@ -4416,9 +4423,7 @@
             <p:nvPr/>
           </p:nvPicPr>
           <p:blipFill>
-            <a:blip r:embed="rId6">
-              <a:extLst/>
-            </a:blip>
+            <a:blip r:embed="rId6"/>
             <a:stretch>
               <a:fillRect/>
             </a:stretch>
@@ -4444,12 +4449,12 @@
   <p:clrMapOvr>
     <a:masterClrMapping/>
   </p:clrMapOvr>
-  <p:transition xmlns:p14="http://schemas.microsoft.com/office/powerpoint/2010/main" spd="med" advClick="1"/>
+  <p:transition spd="med"/>
 </p:sld>
 </file>
 
 <file path=ppt/slides/slide2.xml><?xml version="1.0" encoding="utf-8"?>
-<p:sld xmlns:a="http://schemas.openxmlformats.org/drawingml/2006/main" xmlns:r="http://schemas.openxmlformats.org/officeDocument/2006/relationships" xmlns:p="http://schemas.openxmlformats.org/presentationml/2006/main" xmlns:m="http://schemas.openxmlformats.org/officeDocument/2006/math" xmlns:a14="http://schemas.microsoft.com/office/drawing/2010/main" showMasterSp="1" showMasterPhAnim="1">
+<p:sld xmlns:a="http://schemas.openxmlformats.org/drawingml/2006/main" xmlns:r="http://schemas.openxmlformats.org/officeDocument/2006/relationships" xmlns:p="http://schemas.openxmlformats.org/presentationml/2006/main">
   <p:cSld>
     <p:spTree>
       <p:nvGrpSpPr>
@@ -4484,7 +4489,7 @@
           </a:ln>
           <a:extLst>
             <a:ext uri="{C572A759-6A51-4108-AA02-DFA0A04FC94B}">
-              <ma14:wrappingTextBoxFlag xmlns:ma14="http://schemas.microsoft.com/office/mac/drawingml/2011/main" val="1"/>
+              <ma14:wrappingTextBoxFlag xmlns:ma14="http://schemas.microsoft.com/office/mac/drawingml/2011/main" xmlns:a14="http://schemas.microsoft.com/office/drawing/2010/main" xmlns:m="http://schemas.openxmlformats.org/officeDocument/2006/math" xmlns="" val="1"/>
             </a:ext>
           </a:extLst>
         </p:spPr>
@@ -4506,7 +4511,6 @@
             </a:lvl1pPr>
           </a:lstStyle>
           <a:p>
-            <a:pPr/>
             <a:r>
               <a:t>Page</a:t>
             </a:r>
@@ -4516,7 +4520,9 @@
       <p:sp>
         <p:nvSpPr>
           <p:cNvPr id="76" name="Slide Number"/>
-          <p:cNvSpPr txBox="1"/>
+          <p:cNvSpPr txBox="1">
+            <a:spLocks noGrp="1"/>
+          </p:cNvSpPr>
           <p:nvPr>
             <p:ph type="sldNum" sz="quarter" idx="2"/>
           </p:nvPr>
@@ -4527,7 +4533,7 @@
           </a:prstGeom>
           <a:extLst>
             <a:ext uri="{C572A759-6A51-4108-AA02-DFA0A04FC94B}">
-              <ma14:wrappingTextBoxFlag xmlns:ma14="http://schemas.microsoft.com/office/mac/drawingml/2011/main" val="1"/>
+              <ma14:wrappingTextBoxFlag xmlns:ma14="http://schemas.microsoft.com/office/mac/drawingml/2011/main" xmlns:a14="http://schemas.microsoft.com/office/drawing/2010/main" xmlns:m="http://schemas.openxmlformats.org/officeDocument/2006/math" xmlns="" val="1"/>
             </a:ext>
           </a:extLst>
         </p:spPr>
@@ -4535,8 +4541,10 @@
           <a:bodyPr/>
           <a:lstStyle/>
           <a:p>
-            <a:pPr/>
-            <a:fld id="{86CB4B4D-7CA3-9044-876B-883B54F8677D}" type="slidenum"/>
+            <a:fld id="{86CB4B4D-7CA3-9044-876B-883B54F8677D}" type="slidenum">
+              <a:t>2</a:t>
+            </a:fld>
+            <a:endParaRPr/>
           </a:p>
         </p:txBody>
       </p:sp>
@@ -4549,9 +4557,7 @@
           <p:nvPr/>
         </p:nvPicPr>
         <p:blipFill>
-          <a:blip r:embed="rId2">
-            <a:extLst/>
-          </a:blip>
+          <a:blip r:embed="rId2"/>
           <a:stretch>
             <a:fillRect/>
           </a:stretch>
@@ -4588,7 +4594,7 @@
           </a:ln>
           <a:extLst>
             <a:ext uri="{C572A759-6A51-4108-AA02-DFA0A04FC94B}">
-              <ma14:wrappingTextBoxFlag xmlns:ma14="http://schemas.microsoft.com/office/mac/drawingml/2011/main" val="1"/>
+              <ma14:wrappingTextBoxFlag xmlns:ma14="http://schemas.microsoft.com/office/mac/drawingml/2011/main" xmlns:a14="http://schemas.microsoft.com/office/drawing/2010/main" xmlns:m="http://schemas.openxmlformats.org/officeDocument/2006/math" xmlns="" val="1"/>
             </a:ext>
           </a:extLst>
         </p:spPr>
@@ -4610,7 +4616,6 @@
             </a:lvl1pPr>
           </a:lstStyle>
           <a:p>
-            <a:pPr/>
             <a:r>
               <a:t>Date  |  Name  |  Event </a:t>
             </a:r>
@@ -4620,7 +4625,9 @@
       <p:sp>
         <p:nvSpPr>
           <p:cNvPr id="79" name="Heading"/>
-          <p:cNvSpPr txBox="1"/>
+          <p:cNvSpPr txBox="1">
+            <a:spLocks noGrp="1"/>
+          </p:cNvSpPr>
           <p:nvPr>
             <p:ph type="body" idx="21"/>
           </p:nvPr>
@@ -4634,7 +4641,6 @@
           <a:bodyPr/>
           <a:lstStyle/>
           <a:p>
-            <a:pPr/>
             <a:r>
               <a:t>Heading</a:t>
             </a:r>
@@ -4644,7 +4650,9 @@
       <p:sp>
         <p:nvSpPr>
           <p:cNvPr id="80" name="Subheading"/>
-          <p:cNvSpPr txBox="1"/>
+          <p:cNvSpPr txBox="1">
+            <a:spLocks noGrp="1"/>
+          </p:cNvSpPr>
           <p:nvPr>
             <p:ph type="body" idx="22"/>
           </p:nvPr>
@@ -4658,7 +4666,6 @@
           <a:bodyPr/>
           <a:lstStyle/>
           <a:p>
-            <a:pPr/>
             <a:r>
               <a:t>Subheading</a:t>
             </a:r>
@@ -4668,7 +4675,9 @@
       <p:sp>
         <p:nvSpPr>
           <p:cNvPr id="81" name="Lorem ipsum dolor sit amet, consectetur adipiscing elit, sed do eiusmod tempor incididunt ut labore et dolore magna aliqua. Diam vulputate ut pharetra sit amet aliquam id diam.…"/>
-          <p:cNvSpPr txBox="1"/>
+          <p:cNvSpPr txBox="1">
+            <a:spLocks noGrp="1"/>
+          </p:cNvSpPr>
           <p:nvPr>
             <p:ph type="body" idx="23"/>
           </p:nvPr>
@@ -4759,17 +4768,15 @@
         <p:nvPicPr>
           <p:cNvPr id="82" name="Image" descr="Image"/>
           <p:cNvPicPr>
-            <a:picLocks noChangeAspect="1"/>
+            <a:picLocks noGrp="1" noChangeAspect="1"/>
           </p:cNvPicPr>
           <p:nvPr>
             <p:ph type="pic" idx="24"/>
           </p:nvPr>
         </p:nvPicPr>
         <p:blipFill>
-          <a:blip r:embed="rId3">
-            <a:extLst/>
-          </a:blip>
-          <a:srcRect l="0" t="0" r="50877" b="0"/>
+          <a:blip r:embed="rId3"/>
+          <a:srcRect r="50877"/>
           <a:stretch>
             <a:fillRect/>
           </a:stretch>
@@ -4787,7 +4794,9 @@
       <p:sp>
         <p:nvSpPr>
           <p:cNvPr id="83" name="Caption"/>
-          <p:cNvSpPr/>
+          <p:cNvSpPr>
+            <a:spLocks noGrp="1"/>
+          </p:cNvSpPr>
           <p:nvPr>
             <p:ph type="body" idx="25"/>
           </p:nvPr>
@@ -4803,7 +4812,6 @@
           <a:bodyPr/>
           <a:lstStyle/>
           <a:p>
-            <a:pPr/>
             <a:r>
               <a:t>Caption</a:t>
             </a:r>
@@ -4815,12 +4823,12 @@
   <p:clrMapOvr>
     <a:masterClrMapping/>
   </p:clrMapOvr>
-  <p:transition xmlns:p14="http://schemas.microsoft.com/office/powerpoint/2010/main" spd="med" advClick="1"/>
+  <p:transition spd="med"/>
 </p:sld>
 </file>
 
 <file path=ppt/slides/slide3.xml><?xml version="1.0" encoding="utf-8"?>
-<p:sld xmlns:a="http://schemas.openxmlformats.org/drawingml/2006/main" xmlns:r="http://schemas.openxmlformats.org/officeDocument/2006/relationships" xmlns:p="http://schemas.openxmlformats.org/presentationml/2006/main" xmlns:m="http://schemas.openxmlformats.org/officeDocument/2006/math" xmlns:a14="http://schemas.microsoft.com/office/drawing/2010/main" showMasterSp="1" showMasterPhAnim="1">
+<p:sld xmlns:a="http://schemas.openxmlformats.org/drawingml/2006/main" xmlns:r="http://schemas.openxmlformats.org/officeDocument/2006/relationships" xmlns:p="http://schemas.openxmlformats.org/presentationml/2006/main">
   <p:cSld>
     <p:spTree>
       <p:nvGrpSpPr>
@@ -4845,10 +4853,8 @@
           <p:nvPr/>
         </p:nvPicPr>
         <p:blipFill>
-          <a:blip r:embed="rId2">
-            <a:extLst/>
-          </a:blip>
-          <a:srcRect l="9181" t="0" r="696" b="0"/>
+          <a:blip r:embed="rId2"/>
+          <a:srcRect l="9181" r="696"/>
           <a:stretch>
             <a:fillRect/>
           </a:stretch>
@@ -4885,17 +4891,17 @@
           </a:ln>
           <a:extLst>
             <a:ext uri="{C572A759-6A51-4108-AA02-DFA0A04FC94B}">
-              <ma14:wrappingTextBoxFlag xmlns:ma14="http://schemas.microsoft.com/office/mac/drawingml/2011/main" val="1"/>
+              <ma14:wrappingTextBoxFlag xmlns:ma14="http://schemas.microsoft.com/office/mac/drawingml/2011/main" xmlns:a14="http://schemas.microsoft.com/office/drawing/2010/main" xmlns:m="http://schemas.openxmlformats.org/officeDocument/2006/math" xmlns="" val="1"/>
             </a:ext>
           </a:extLst>
         </p:spPr>
         <p:txBody>
           <a:bodyPr lIns="50800" tIns="50800" rIns="50800" bIns="50800">
-            <a:normAutofit fontScale="100000" lnSpcReduction="0"/>
+            <a:normAutofit/>
           </a:bodyPr>
           <a:lstStyle>
             <a:lvl1pPr algn="l">
-              <a:defRPr b="1" sz="6000">
+              <a:defRPr sz="6000" b="1">
                 <a:solidFill>
                   <a:srgbClr val="FFFFFF"/>
                 </a:solidFill>
@@ -4903,7 +4909,6 @@
             </a:lvl1pPr>
           </a:lstStyle>
           <a:p>
-            <a:pPr/>
             <a:r>
               <a:t>Acknowledgements</a:t>
             </a:r>
@@ -4919,9 +4924,7 @@
           <p:nvPr/>
         </p:nvPicPr>
         <p:blipFill>
-          <a:blip r:embed="rId3">
-            <a:extLst/>
-          </a:blip>
+          <a:blip r:embed="rId3"/>
           <a:stretch>
             <a:fillRect/>
           </a:stretch>
@@ -4942,7 +4945,9 @@
       <p:sp>
         <p:nvSpPr>
           <p:cNvPr id="88" name="SPARTA team members:…"/>
-          <p:cNvSpPr txBox="1"/>
+          <p:cNvSpPr txBox="1">
+            <a:spLocks noGrp="1"/>
+          </p:cNvSpPr>
           <p:nvPr>
             <p:ph type="body" idx="21"/>
           </p:nvPr>
@@ -5051,6 +5056,7 @@
                 <a:sym typeface="Helvetica Neue"/>
               </a:defRPr>
             </a:pPr>
+            <a:endParaRPr/>
           </a:p>
           <a:p>
             <a:pPr>
@@ -5109,9 +5115,7 @@
             <p:nvPr/>
           </p:nvPicPr>
           <p:blipFill>
-            <a:blip r:embed="rId4">
-              <a:extLst/>
-            </a:blip>
+            <a:blip r:embed="rId4"/>
             <a:srcRect l="3262" t="3980" r="5993" b="4438"/>
             <a:stretch>
               <a:fillRect/>
@@ -5142,7 +5146,7 @@
               </a:cxnLst>
               <a:rect l="0" t="0" r="r" b="b"/>
               <a:pathLst>
-                <a:path w="21600" h="21590" fill="norm" stroke="1" extrusionOk="0">
+                <a:path w="21600" h="21590" extrusionOk="0">
                   <a:moveTo>
                     <a:pt x="9606" y="2"/>
                   </a:moveTo>
@@ -5602,7 +5606,7 @@
             <a:effectLst/>
             <a:extLst>
               <a:ext uri="{C572A759-6A51-4108-AA02-DFA0A04FC94B}">
-                <ma14:wrappingTextBoxFlag xmlns:ma14="http://schemas.microsoft.com/office/mac/drawingml/2011/main" val="1"/>
+                <ma14:wrappingTextBoxFlag xmlns:ma14="http://schemas.microsoft.com/office/mac/drawingml/2011/main" xmlns:a14="http://schemas.microsoft.com/office/drawing/2010/main" xmlns:m="http://schemas.openxmlformats.org/officeDocument/2006/math" xmlns="" val="1"/>
               </a:ext>
             </a:extLst>
           </p:spPr>
@@ -5616,7 +5620,7 @@
                 <a:lnSpc>
                   <a:spcPct val="90000"/>
                 </a:lnSpc>
-                <a:defRPr spc="-45" sz="2300">
+                <a:defRPr sz="2300" spc="-45">
                   <a:solidFill>
                     <a:srgbClr val="FFFFFF"/>
                   </a:solidFill>
@@ -5627,17 +5631,17 @@
                 </a:defRPr>
               </a:pPr>
               <a:r>
-                <a:rPr spc="-84" sz="4200"/>
+                <a:rPr sz="4200" spc="-84"/>
                 <a:t>SPARTA</a:t>
               </a:r>
-              <a:endParaRPr spc="-85" sz="4300"/>
+              <a:endParaRPr sz="4300" spc="-85"/>
             </a:p>
             <a:p>
               <a:pPr algn="l">
                 <a:lnSpc>
                   <a:spcPct val="90000"/>
                 </a:lnSpc>
-                <a:defRPr spc="-53" sz="2700">
+                <a:defRPr sz="2700" spc="-53">
                   <a:solidFill>
                     <a:srgbClr val="FFFFFF"/>
                   </a:solidFill>
@@ -5658,9 +5662,7 @@
             <p:nvPr/>
           </p:nvPicPr>
           <p:blipFill>
-            <a:blip r:embed="rId5">
-              <a:extLst/>
-            </a:blip>
+            <a:blip r:embed="rId5"/>
             <a:stretch>
               <a:fillRect/>
             </a:stretch>
@@ -5686,12 +5688,12 @@
   <p:clrMapOvr>
     <a:masterClrMapping/>
   </p:clrMapOvr>
-  <p:transition xmlns:p14="http://schemas.microsoft.com/office/powerpoint/2010/main" spd="med" advClick="1"/>
+  <p:transition spd="med"/>
 </p:sld>
 </file>
 
 <file path=ppt/theme/theme1.xml><?xml version="1.0" encoding="utf-8"?>
-<a:theme xmlns:a="http://schemas.openxmlformats.org/drawingml/2006/main" xmlns:r="http://schemas.openxmlformats.org/officeDocument/2006/relationships" name="21_BasicWhite">
+<a:theme xmlns:a="http://schemas.openxmlformats.org/drawingml/2006/main" name="21_BasicWhite">
   <a:themeElements>
     <a:clrScheme name="21_BasicWhite">
       <a:dk1>
@@ -5890,7 +5892,7 @@
         <a:effectLst/>
         <a:sp3d/>
       </a:spPr>
-      <a:bodyPr rot="0" spcFirstLastPara="1" vertOverflow="overflow" horzOverflow="overflow" vert="horz" wrap="square" lIns="50800" tIns="50800" rIns="50800" bIns="50800" numCol="1" spcCol="38100" rtlCol="0" anchor="ctr" upright="0">
+      <a:bodyPr rot="0" spcFirstLastPara="1" vertOverflow="overflow" horzOverflow="overflow" vert="horz" wrap="square" lIns="50800" tIns="50800" rIns="50800" bIns="50800" numCol="1" spcCol="38100" rtlCol="0" anchor="ctr">
         <a:spAutoFit/>
       </a:bodyPr>
       <a:lstStyle>
@@ -5909,7 +5911,7 @@
           <a:buFontTx/>
           <a:buNone/>
           <a:tabLst/>
-          <a:defRPr b="0" baseline="0" cap="none" i="0" spc="0" strike="noStrike" sz="3200" u="none" kumimoji="0" normalizeH="0">
+          <a:defRPr kumimoji="0" sz="3200" b="0" i="0" u="none" strike="noStrike" cap="none" spc="0" normalizeH="0" baseline="0">
             <a:ln>
               <a:noFill/>
             </a:ln>
@@ -5939,7 +5941,7 @@
           <a:buFontTx/>
           <a:buNone/>
           <a:tabLst/>
-          <a:defRPr b="0" baseline="0" cap="none" i="0" spc="0" strike="noStrike" sz="1800" u="none" kumimoji="0" normalizeH="0">
+          <a:defRPr kumimoji="0" sz="1800" b="0" i="0" u="none" strike="noStrike" cap="none" spc="0" normalizeH="0" baseline="0">
             <a:ln>
               <a:noFill/>
             </a:ln>
@@ -5965,7 +5967,7 @@
           <a:buFontTx/>
           <a:buNone/>
           <a:tabLst/>
-          <a:defRPr b="0" baseline="0" cap="none" i="0" spc="0" strike="noStrike" sz="1800" u="none" kumimoji="0" normalizeH="0">
+          <a:defRPr kumimoji="0" sz="1800" b="0" i="0" u="none" strike="noStrike" cap="none" spc="0" normalizeH="0" baseline="0">
             <a:ln>
               <a:noFill/>
             </a:ln>
@@ -5991,7 +5993,7 @@
           <a:buFontTx/>
           <a:buNone/>
           <a:tabLst/>
-          <a:defRPr b="0" baseline="0" cap="none" i="0" spc="0" strike="noStrike" sz="1800" u="none" kumimoji="0" normalizeH="0">
+          <a:defRPr kumimoji="0" sz="1800" b="0" i="0" u="none" strike="noStrike" cap="none" spc="0" normalizeH="0" baseline="0">
             <a:ln>
               <a:noFill/>
             </a:ln>
@@ -6017,7 +6019,7 @@
           <a:buFontTx/>
           <a:buNone/>
           <a:tabLst/>
-          <a:defRPr b="0" baseline="0" cap="none" i="0" spc="0" strike="noStrike" sz="1800" u="none" kumimoji="0" normalizeH="0">
+          <a:defRPr kumimoji="0" sz="1800" b="0" i="0" u="none" strike="noStrike" cap="none" spc="0" normalizeH="0" baseline="0">
             <a:ln>
               <a:noFill/>
             </a:ln>
@@ -6043,7 +6045,7 @@
           <a:buFontTx/>
           <a:buNone/>
           <a:tabLst/>
-          <a:defRPr b="0" baseline="0" cap="none" i="0" spc="0" strike="noStrike" sz="1800" u="none" kumimoji="0" normalizeH="0">
+          <a:defRPr kumimoji="0" sz="1800" b="0" i="0" u="none" strike="noStrike" cap="none" spc="0" normalizeH="0" baseline="0">
             <a:ln>
               <a:noFill/>
             </a:ln>
@@ -6069,7 +6071,7 @@
           <a:buFontTx/>
           <a:buNone/>
           <a:tabLst/>
-          <a:defRPr b="0" baseline="0" cap="none" i="0" spc="0" strike="noStrike" sz="1800" u="none" kumimoji="0" normalizeH="0">
+          <a:defRPr kumimoji="0" sz="1800" b="0" i="0" u="none" strike="noStrike" cap="none" spc="0" normalizeH="0" baseline="0">
             <a:ln>
               <a:noFill/>
             </a:ln>
@@ -6095,7 +6097,7 @@
           <a:buFontTx/>
           <a:buNone/>
           <a:tabLst/>
-          <a:defRPr b="0" baseline="0" cap="none" i="0" spc="0" strike="noStrike" sz="1800" u="none" kumimoji="0" normalizeH="0">
+          <a:defRPr kumimoji="0" sz="1800" b="0" i="0" u="none" strike="noStrike" cap="none" spc="0" normalizeH="0" baseline="0">
             <a:ln>
               <a:noFill/>
             </a:ln>
@@ -6121,7 +6123,7 @@
           <a:buFontTx/>
           <a:buNone/>
           <a:tabLst/>
-          <a:defRPr b="0" baseline="0" cap="none" i="0" spc="0" strike="noStrike" sz="1800" u="none" kumimoji="0" normalizeH="0">
+          <a:defRPr kumimoji="0" sz="1800" b="0" i="0" u="none" strike="noStrike" cap="none" spc="0" normalizeH="0" baseline="0">
             <a:ln>
               <a:noFill/>
             </a:ln>
@@ -6147,7 +6149,7 @@
           <a:buFontTx/>
           <a:buNone/>
           <a:tabLst/>
-          <a:defRPr b="0" baseline="0" cap="none" i="0" spc="0" strike="noStrike" sz="1800" u="none" kumimoji="0" normalizeH="0">
+          <a:defRPr kumimoji="0" sz="1800" b="0" i="0" u="none" strike="noStrike" cap="none" spc="0" normalizeH="0" baseline="0">
             <a:ln>
               <a:noFill/>
             </a:ln>
@@ -6160,9 +6162,15 @@
         </a:lvl9pPr>
       </a:lstStyle>
       <a:style>
-        <a:lnRef idx="0"/>
-        <a:fillRef idx="0"/>
-        <a:effectRef idx="0"/>
+        <a:lnRef idx="0">
+          <a:scrgbClr r="0" g="0" b="0"/>
+        </a:lnRef>
+        <a:fillRef idx="0">
+          <a:scrgbClr r="0" g="0" b="0"/>
+        </a:fillRef>
+        <a:effectRef idx="0">
+          <a:scrgbClr r="0" g="0" b="0"/>
+        </a:effectRef>
         <a:fontRef idx="none"/>
       </a:style>
     </a:spDef>
@@ -6179,7 +6187,7 @@
         <a:effectLst/>
         <a:sp3d/>
       </a:spPr>
-      <a:bodyPr rot="0" spcFirstLastPara="1" vertOverflow="overflow" horzOverflow="overflow" vert="horz" wrap="square" lIns="91439" tIns="45719" rIns="91439" bIns="45719" numCol="1" spcCol="38100" rtlCol="0" anchor="t" upright="0">
+      <a:bodyPr rot="0" spcFirstLastPara="1" vertOverflow="overflow" horzOverflow="overflow" vert="horz" wrap="square" lIns="91439" tIns="45719" rIns="91439" bIns="45719" numCol="1" spcCol="38100" rtlCol="0" anchor="t">
         <a:noAutofit/>
       </a:bodyPr>
       <a:lstStyle>
@@ -6198,7 +6206,7 @@
           <a:buFontTx/>
           <a:buNone/>
           <a:tabLst/>
-          <a:defRPr b="0" baseline="0" cap="none" i="0" spc="0" strike="noStrike" sz="1800" u="none" kumimoji="0" normalizeH="0">
+          <a:defRPr kumimoji="0" sz="1800" b="0" i="0" u="none" strike="noStrike" cap="none" spc="0" normalizeH="0" baseline="0">
             <a:ln>
               <a:noFill/>
             </a:ln>
@@ -6224,7 +6232,7 @@
           <a:buFontTx/>
           <a:buNone/>
           <a:tabLst/>
-          <a:defRPr b="0" baseline="0" cap="none" i="0" spc="0" strike="noStrike" sz="1800" u="none" kumimoji="0" normalizeH="0">
+          <a:defRPr kumimoji="0" sz="1800" b="0" i="0" u="none" strike="noStrike" cap="none" spc="0" normalizeH="0" baseline="0">
             <a:ln>
               <a:noFill/>
             </a:ln>
@@ -6250,7 +6258,7 @@
           <a:buFontTx/>
           <a:buNone/>
           <a:tabLst/>
-          <a:defRPr b="0" baseline="0" cap="none" i="0" spc="0" strike="noStrike" sz="1800" u="none" kumimoji="0" normalizeH="0">
+          <a:defRPr kumimoji="0" sz="1800" b="0" i="0" u="none" strike="noStrike" cap="none" spc="0" normalizeH="0" baseline="0">
             <a:ln>
               <a:noFill/>
             </a:ln>
@@ -6276,7 +6284,7 @@
           <a:buFontTx/>
           <a:buNone/>
           <a:tabLst/>
-          <a:defRPr b="0" baseline="0" cap="none" i="0" spc="0" strike="noStrike" sz="1800" u="none" kumimoji="0" normalizeH="0">
+          <a:defRPr kumimoji="0" sz="1800" b="0" i="0" u="none" strike="noStrike" cap="none" spc="0" normalizeH="0" baseline="0">
             <a:ln>
               <a:noFill/>
             </a:ln>
@@ -6302,7 +6310,7 @@
           <a:buFontTx/>
           <a:buNone/>
           <a:tabLst/>
-          <a:defRPr b="0" baseline="0" cap="none" i="0" spc="0" strike="noStrike" sz="1800" u="none" kumimoji="0" normalizeH="0">
+          <a:defRPr kumimoji="0" sz="1800" b="0" i="0" u="none" strike="noStrike" cap="none" spc="0" normalizeH="0" baseline="0">
             <a:ln>
               <a:noFill/>
             </a:ln>
@@ -6328,7 +6336,7 @@
           <a:buFontTx/>
           <a:buNone/>
           <a:tabLst/>
-          <a:defRPr b="0" baseline="0" cap="none" i="0" spc="0" strike="noStrike" sz="1800" u="none" kumimoji="0" normalizeH="0">
+          <a:defRPr kumimoji="0" sz="1800" b="0" i="0" u="none" strike="noStrike" cap="none" spc="0" normalizeH="0" baseline="0">
             <a:ln>
               <a:noFill/>
             </a:ln>
@@ -6354,7 +6362,7 @@
           <a:buFontTx/>
           <a:buNone/>
           <a:tabLst/>
-          <a:defRPr b="0" baseline="0" cap="none" i="0" spc="0" strike="noStrike" sz="1800" u="none" kumimoji="0" normalizeH="0">
+          <a:defRPr kumimoji="0" sz="1800" b="0" i="0" u="none" strike="noStrike" cap="none" spc="0" normalizeH="0" baseline="0">
             <a:ln>
               <a:noFill/>
             </a:ln>
@@ -6380,7 +6388,7 @@
           <a:buFontTx/>
           <a:buNone/>
           <a:tabLst/>
-          <a:defRPr b="0" baseline="0" cap="none" i="0" spc="0" strike="noStrike" sz="1800" u="none" kumimoji="0" normalizeH="0">
+          <a:defRPr kumimoji="0" sz="1800" b="0" i="0" u="none" strike="noStrike" cap="none" spc="0" normalizeH="0" baseline="0">
             <a:ln>
               <a:noFill/>
             </a:ln>
@@ -6406,7 +6414,7 @@
           <a:buFontTx/>
           <a:buNone/>
           <a:tabLst/>
-          <a:defRPr b="0" baseline="0" cap="none" i="0" spc="0" strike="noStrike" sz="1800" u="none" kumimoji="0" normalizeH="0">
+          <a:defRPr kumimoji="0" sz="1800" b="0" i="0" u="none" strike="noStrike" cap="none" spc="0" normalizeH="0" baseline="0">
             <a:ln>
               <a:noFill/>
             </a:ln>
@@ -6432,7 +6440,7 @@
           <a:buFontTx/>
           <a:buNone/>
           <a:tabLst/>
-          <a:defRPr b="0" baseline="0" cap="none" i="0" spc="0" strike="noStrike" sz="1800" u="none" kumimoji="0" normalizeH="0">
+          <a:defRPr kumimoji="0" sz="1800" b="0" i="0" u="none" strike="noStrike" cap="none" spc="0" normalizeH="0" baseline="0">
             <a:ln>
               <a:noFill/>
             </a:ln>
@@ -6445,9 +6453,15 @@
         </a:lvl9pPr>
       </a:lstStyle>
       <a:style>
-        <a:lnRef idx="0"/>
-        <a:fillRef idx="0"/>
-        <a:effectRef idx="0"/>
+        <a:lnRef idx="0">
+          <a:scrgbClr r="0" g="0" b="0"/>
+        </a:lnRef>
+        <a:fillRef idx="0">
+          <a:scrgbClr r="0" g="0" b="0"/>
+        </a:fillRef>
+        <a:effectRef idx="0">
+          <a:scrgbClr r="0" g="0" b="0"/>
+        </a:effectRef>
         <a:fontRef idx="none"/>
       </a:style>
     </a:lnDef>
@@ -6461,7 +6475,7 @@
         <a:effectLst/>
         <a:sp3d/>
       </a:spPr>
-      <a:bodyPr rot="0" spcFirstLastPara="1" vertOverflow="overflow" horzOverflow="overflow" vert="horz" wrap="square" lIns="50800" tIns="50800" rIns="50800" bIns="50800" numCol="1" spcCol="38100" rtlCol="0" anchor="ctr" upright="0">
+      <a:bodyPr rot="0" spcFirstLastPara="1" vertOverflow="overflow" horzOverflow="overflow" vert="horz" wrap="square" lIns="50800" tIns="50800" rIns="50800" bIns="50800" numCol="1" spcCol="38100" rtlCol="0" anchor="ctr">
         <a:spAutoFit/>
       </a:bodyPr>
       <a:lstStyle>
@@ -6480,7 +6494,7 @@
           <a:buFontTx/>
           <a:buNone/>
           <a:tabLst/>
-          <a:defRPr b="0" baseline="0" cap="none" i="0" spc="0" strike="noStrike" sz="2400" u="none" kumimoji="0" normalizeH="0">
+          <a:defRPr kumimoji="0" sz="2400" b="0" i="0" u="none" strike="noStrike" cap="none" spc="0" normalizeH="0" baseline="0">
             <a:ln>
               <a:noFill/>
             </a:ln>
@@ -6510,7 +6524,7 @@
           <a:buFontTx/>
           <a:buNone/>
           <a:tabLst/>
-          <a:defRPr b="0" baseline="0" cap="none" i="0" spc="0" strike="noStrike" sz="1800" u="none" kumimoji="0" normalizeH="0">
+          <a:defRPr kumimoji="0" sz="1800" b="0" i="0" u="none" strike="noStrike" cap="none" spc="0" normalizeH="0" baseline="0">
             <a:ln>
               <a:noFill/>
             </a:ln>
@@ -6536,7 +6550,7 @@
           <a:buFontTx/>
           <a:buNone/>
           <a:tabLst/>
-          <a:defRPr b="0" baseline="0" cap="none" i="0" spc="0" strike="noStrike" sz="1800" u="none" kumimoji="0" normalizeH="0">
+          <a:defRPr kumimoji="0" sz="1800" b="0" i="0" u="none" strike="noStrike" cap="none" spc="0" normalizeH="0" baseline="0">
             <a:ln>
               <a:noFill/>
             </a:ln>
@@ -6562,7 +6576,7 @@
           <a:buFontTx/>
           <a:buNone/>
           <a:tabLst/>
-          <a:defRPr b="0" baseline="0" cap="none" i="0" spc="0" strike="noStrike" sz="1800" u="none" kumimoji="0" normalizeH="0">
+          <a:defRPr kumimoji="0" sz="1800" b="0" i="0" u="none" strike="noStrike" cap="none" spc="0" normalizeH="0" baseline="0">
             <a:ln>
               <a:noFill/>
             </a:ln>
@@ -6588,7 +6602,7 @@
           <a:buFontTx/>
           <a:buNone/>
           <a:tabLst/>
-          <a:defRPr b="0" baseline="0" cap="none" i="0" spc="0" strike="noStrike" sz="1800" u="none" kumimoji="0" normalizeH="0">
+          <a:defRPr kumimoji="0" sz="1800" b="0" i="0" u="none" strike="noStrike" cap="none" spc="0" normalizeH="0" baseline="0">
             <a:ln>
               <a:noFill/>
             </a:ln>
@@ -6614,7 +6628,7 @@
           <a:buFontTx/>
           <a:buNone/>
           <a:tabLst/>
-          <a:defRPr b="0" baseline="0" cap="none" i="0" spc="0" strike="noStrike" sz="1800" u="none" kumimoji="0" normalizeH="0">
+          <a:defRPr kumimoji="0" sz="1800" b="0" i="0" u="none" strike="noStrike" cap="none" spc="0" normalizeH="0" baseline="0">
             <a:ln>
               <a:noFill/>
             </a:ln>
@@ -6640,7 +6654,7 @@
           <a:buFontTx/>
           <a:buNone/>
           <a:tabLst/>
-          <a:defRPr b="0" baseline="0" cap="none" i="0" spc="0" strike="noStrike" sz="1800" u="none" kumimoji="0" normalizeH="0">
+          <a:defRPr kumimoji="0" sz="1800" b="0" i="0" u="none" strike="noStrike" cap="none" spc="0" normalizeH="0" baseline="0">
             <a:ln>
               <a:noFill/>
             </a:ln>
@@ -6666,7 +6680,7 @@
           <a:buFontTx/>
           <a:buNone/>
           <a:tabLst/>
-          <a:defRPr b="0" baseline="0" cap="none" i="0" spc="0" strike="noStrike" sz="1800" u="none" kumimoji="0" normalizeH="0">
+          <a:defRPr kumimoji="0" sz="1800" b="0" i="0" u="none" strike="noStrike" cap="none" spc="0" normalizeH="0" baseline="0">
             <a:ln>
               <a:noFill/>
             </a:ln>
@@ -6692,7 +6706,7 @@
           <a:buFontTx/>
           <a:buNone/>
           <a:tabLst/>
-          <a:defRPr b="0" baseline="0" cap="none" i="0" spc="0" strike="noStrike" sz="1800" u="none" kumimoji="0" normalizeH="0">
+          <a:defRPr kumimoji="0" sz="1800" b="0" i="0" u="none" strike="noStrike" cap="none" spc="0" normalizeH="0" baseline="0">
             <a:ln>
               <a:noFill/>
             </a:ln>
@@ -6718,7 +6732,7 @@
           <a:buFontTx/>
           <a:buNone/>
           <a:tabLst/>
-          <a:defRPr b="0" baseline="0" cap="none" i="0" spc="0" strike="noStrike" sz="1800" u="none" kumimoji="0" normalizeH="0">
+          <a:defRPr kumimoji="0" sz="1800" b="0" i="0" u="none" strike="noStrike" cap="none" spc="0" normalizeH="0" baseline="0">
             <a:ln>
               <a:noFill/>
             </a:ln>
@@ -6731,18 +6745,25 @@
         </a:lvl9pPr>
       </a:lstStyle>
       <a:style>
-        <a:lnRef idx="0"/>
-        <a:fillRef idx="0"/>
-        <a:effectRef idx="0"/>
+        <a:lnRef idx="0">
+          <a:scrgbClr r="0" g="0" b="0"/>
+        </a:lnRef>
+        <a:fillRef idx="0">
+          <a:scrgbClr r="0" g="0" b="0"/>
+        </a:fillRef>
+        <a:effectRef idx="0">
+          <a:scrgbClr r="0" g="0" b="0"/>
+        </a:effectRef>
         <a:fontRef idx="none"/>
       </a:style>
     </a:txDef>
   </a:objectDefaults>
+  <a:extraClrSchemeLst/>
 </a:theme>
 </file>
 
 <file path=ppt/theme/theme2.xml><?xml version="1.0" encoding="utf-8"?>
-<a:theme xmlns:a="http://schemas.openxmlformats.org/drawingml/2006/main" xmlns:r="http://schemas.openxmlformats.org/officeDocument/2006/relationships" name="21_BasicWhite">
+<a:theme xmlns:a="http://schemas.openxmlformats.org/drawingml/2006/main" name="21_BasicWhite">
   <a:themeElements>
     <a:clrScheme name="21_BasicWhite">
       <a:dk1>
@@ -6941,7 +6962,7 @@
         <a:effectLst/>
         <a:sp3d/>
       </a:spPr>
-      <a:bodyPr rot="0" spcFirstLastPara="1" vertOverflow="overflow" horzOverflow="overflow" vert="horz" wrap="square" lIns="50800" tIns="50800" rIns="50800" bIns="50800" numCol="1" spcCol="38100" rtlCol="0" anchor="ctr" upright="0">
+      <a:bodyPr rot="0" spcFirstLastPara="1" vertOverflow="overflow" horzOverflow="overflow" vert="horz" wrap="square" lIns="50800" tIns="50800" rIns="50800" bIns="50800" numCol="1" spcCol="38100" rtlCol="0" anchor="ctr">
         <a:spAutoFit/>
       </a:bodyPr>
       <a:lstStyle>
@@ -6960,7 +6981,7 @@
           <a:buFontTx/>
           <a:buNone/>
           <a:tabLst/>
-          <a:defRPr b="0" baseline="0" cap="none" i="0" spc="0" strike="noStrike" sz="3200" u="none" kumimoji="0" normalizeH="0">
+          <a:defRPr kumimoji="0" sz="3200" b="0" i="0" u="none" strike="noStrike" cap="none" spc="0" normalizeH="0" baseline="0">
             <a:ln>
               <a:noFill/>
             </a:ln>
@@ -6990,7 +7011,7 @@
           <a:buFontTx/>
           <a:buNone/>
           <a:tabLst/>
-          <a:defRPr b="0" baseline="0" cap="none" i="0" spc="0" strike="noStrike" sz="1800" u="none" kumimoji="0" normalizeH="0">
+          <a:defRPr kumimoji="0" sz="1800" b="0" i="0" u="none" strike="noStrike" cap="none" spc="0" normalizeH="0" baseline="0">
             <a:ln>
               <a:noFill/>
             </a:ln>
@@ -7016,7 +7037,7 @@
           <a:buFontTx/>
           <a:buNone/>
           <a:tabLst/>
-          <a:defRPr b="0" baseline="0" cap="none" i="0" spc="0" strike="noStrike" sz="1800" u="none" kumimoji="0" normalizeH="0">
+          <a:defRPr kumimoji="0" sz="1800" b="0" i="0" u="none" strike="noStrike" cap="none" spc="0" normalizeH="0" baseline="0">
             <a:ln>
               <a:noFill/>
             </a:ln>
@@ -7042,7 +7063,7 @@
           <a:buFontTx/>
           <a:buNone/>
           <a:tabLst/>
-          <a:defRPr b="0" baseline="0" cap="none" i="0" spc="0" strike="noStrike" sz="1800" u="none" kumimoji="0" normalizeH="0">
+          <a:defRPr kumimoji="0" sz="1800" b="0" i="0" u="none" strike="noStrike" cap="none" spc="0" normalizeH="0" baseline="0">
             <a:ln>
               <a:noFill/>
             </a:ln>
@@ -7068,7 +7089,7 @@
           <a:buFontTx/>
           <a:buNone/>
           <a:tabLst/>
-          <a:defRPr b="0" baseline="0" cap="none" i="0" spc="0" strike="noStrike" sz="1800" u="none" kumimoji="0" normalizeH="0">
+          <a:defRPr kumimoji="0" sz="1800" b="0" i="0" u="none" strike="noStrike" cap="none" spc="0" normalizeH="0" baseline="0">
             <a:ln>
               <a:noFill/>
             </a:ln>
@@ -7094,7 +7115,7 @@
           <a:buFontTx/>
           <a:buNone/>
           <a:tabLst/>
-          <a:defRPr b="0" baseline="0" cap="none" i="0" spc="0" strike="noStrike" sz="1800" u="none" kumimoji="0" normalizeH="0">
+          <a:defRPr kumimoji="0" sz="1800" b="0" i="0" u="none" strike="noStrike" cap="none" spc="0" normalizeH="0" baseline="0">
             <a:ln>
               <a:noFill/>
             </a:ln>
@@ -7120,7 +7141,7 @@
           <a:buFontTx/>
           <a:buNone/>
           <a:tabLst/>
-          <a:defRPr b="0" baseline="0" cap="none" i="0" spc="0" strike="noStrike" sz="1800" u="none" kumimoji="0" normalizeH="0">
+          <a:defRPr kumimoji="0" sz="1800" b="0" i="0" u="none" strike="noStrike" cap="none" spc="0" normalizeH="0" baseline="0">
             <a:ln>
               <a:noFill/>
             </a:ln>
@@ -7146,7 +7167,7 @@
           <a:buFontTx/>
           <a:buNone/>
           <a:tabLst/>
-          <a:defRPr b="0" baseline="0" cap="none" i="0" spc="0" strike="noStrike" sz="1800" u="none" kumimoji="0" normalizeH="0">
+          <a:defRPr kumimoji="0" sz="1800" b="0" i="0" u="none" strike="noStrike" cap="none" spc="0" normalizeH="0" baseline="0">
             <a:ln>
               <a:noFill/>
             </a:ln>
@@ -7172,7 +7193,7 @@
           <a:buFontTx/>
           <a:buNone/>
           <a:tabLst/>
-          <a:defRPr b="0" baseline="0" cap="none" i="0" spc="0" strike="noStrike" sz="1800" u="none" kumimoji="0" normalizeH="0">
+          <a:defRPr kumimoji="0" sz="1800" b="0" i="0" u="none" strike="noStrike" cap="none" spc="0" normalizeH="0" baseline="0">
             <a:ln>
               <a:noFill/>
             </a:ln>
@@ -7198,7 +7219,7 @@
           <a:buFontTx/>
           <a:buNone/>
           <a:tabLst/>
-          <a:defRPr b="0" baseline="0" cap="none" i="0" spc="0" strike="noStrike" sz="1800" u="none" kumimoji="0" normalizeH="0">
+          <a:defRPr kumimoji="0" sz="1800" b="0" i="0" u="none" strike="noStrike" cap="none" spc="0" normalizeH="0" baseline="0">
             <a:ln>
               <a:noFill/>
             </a:ln>
@@ -7211,9 +7232,15 @@
         </a:lvl9pPr>
       </a:lstStyle>
       <a:style>
-        <a:lnRef idx="0"/>
-        <a:fillRef idx="0"/>
-        <a:effectRef idx="0"/>
+        <a:lnRef idx="0">
+          <a:scrgbClr r="0" g="0" b="0"/>
+        </a:lnRef>
+        <a:fillRef idx="0">
+          <a:scrgbClr r="0" g="0" b="0"/>
+        </a:fillRef>
+        <a:effectRef idx="0">
+          <a:scrgbClr r="0" g="0" b="0"/>
+        </a:effectRef>
         <a:fontRef idx="none"/>
       </a:style>
     </a:spDef>
@@ -7230,7 +7257,7 @@
         <a:effectLst/>
         <a:sp3d/>
       </a:spPr>
-      <a:bodyPr rot="0" spcFirstLastPara="1" vertOverflow="overflow" horzOverflow="overflow" vert="horz" wrap="square" lIns="91439" tIns="45719" rIns="91439" bIns="45719" numCol="1" spcCol="38100" rtlCol="0" anchor="t" upright="0">
+      <a:bodyPr rot="0" spcFirstLastPara="1" vertOverflow="overflow" horzOverflow="overflow" vert="horz" wrap="square" lIns="91439" tIns="45719" rIns="91439" bIns="45719" numCol="1" spcCol="38100" rtlCol="0" anchor="t">
         <a:noAutofit/>
       </a:bodyPr>
       <a:lstStyle>
@@ -7249,7 +7276,7 @@
           <a:buFontTx/>
           <a:buNone/>
           <a:tabLst/>
-          <a:defRPr b="0" baseline="0" cap="none" i="0" spc="0" strike="noStrike" sz="1800" u="none" kumimoji="0" normalizeH="0">
+          <a:defRPr kumimoji="0" sz="1800" b="0" i="0" u="none" strike="noStrike" cap="none" spc="0" normalizeH="0" baseline="0">
             <a:ln>
               <a:noFill/>
             </a:ln>
@@ -7275,7 +7302,7 @@
           <a:buFontTx/>
           <a:buNone/>
           <a:tabLst/>
-          <a:defRPr b="0" baseline="0" cap="none" i="0" spc="0" strike="noStrike" sz="1800" u="none" kumimoji="0" normalizeH="0">
+          <a:defRPr kumimoji="0" sz="1800" b="0" i="0" u="none" strike="noStrike" cap="none" spc="0" normalizeH="0" baseline="0">
             <a:ln>
               <a:noFill/>
             </a:ln>
@@ -7301,7 +7328,7 @@
           <a:buFontTx/>
           <a:buNone/>
           <a:tabLst/>
-          <a:defRPr b="0" baseline="0" cap="none" i="0" spc="0" strike="noStrike" sz="1800" u="none" kumimoji="0" normalizeH="0">
+          <a:defRPr kumimoji="0" sz="1800" b="0" i="0" u="none" strike="noStrike" cap="none" spc="0" normalizeH="0" baseline="0">
             <a:ln>
               <a:noFill/>
             </a:ln>
@@ -7327,7 +7354,7 @@
           <a:buFontTx/>
           <a:buNone/>
           <a:tabLst/>
-          <a:defRPr b="0" baseline="0" cap="none" i="0" spc="0" strike="noStrike" sz="1800" u="none" kumimoji="0" normalizeH="0">
+          <a:defRPr kumimoji="0" sz="1800" b="0" i="0" u="none" strike="noStrike" cap="none" spc="0" normalizeH="0" baseline="0">
             <a:ln>
               <a:noFill/>
             </a:ln>
@@ -7353,7 +7380,7 @@
           <a:buFontTx/>
           <a:buNone/>
           <a:tabLst/>
-          <a:defRPr b="0" baseline="0" cap="none" i="0" spc="0" strike="noStrike" sz="1800" u="none" kumimoji="0" normalizeH="0">
+          <a:defRPr kumimoji="0" sz="1800" b="0" i="0" u="none" strike="noStrike" cap="none" spc="0" normalizeH="0" baseline="0">
             <a:ln>
               <a:noFill/>
             </a:ln>
@@ -7379,7 +7406,7 @@
           <a:buFontTx/>
           <a:buNone/>
           <a:tabLst/>
-          <a:defRPr b="0" baseline="0" cap="none" i="0" spc="0" strike="noStrike" sz="1800" u="none" kumimoji="0" normalizeH="0">
+          <a:defRPr kumimoji="0" sz="1800" b="0" i="0" u="none" strike="noStrike" cap="none" spc="0" normalizeH="0" baseline="0">
             <a:ln>
               <a:noFill/>
             </a:ln>
@@ -7405,7 +7432,7 @@
           <a:buFontTx/>
           <a:buNone/>
           <a:tabLst/>
-          <a:defRPr b="0" baseline="0" cap="none" i="0" spc="0" strike="noStrike" sz="1800" u="none" kumimoji="0" normalizeH="0">
+          <a:defRPr kumimoji="0" sz="1800" b="0" i="0" u="none" strike="noStrike" cap="none" spc="0" normalizeH="0" baseline="0">
             <a:ln>
               <a:noFill/>
             </a:ln>
@@ -7431,7 +7458,7 @@
           <a:buFontTx/>
           <a:buNone/>
           <a:tabLst/>
-          <a:defRPr b="0" baseline="0" cap="none" i="0" spc="0" strike="noStrike" sz="1800" u="none" kumimoji="0" normalizeH="0">
+          <a:defRPr kumimoji="0" sz="1800" b="0" i="0" u="none" strike="noStrike" cap="none" spc="0" normalizeH="0" baseline="0">
             <a:ln>
               <a:noFill/>
             </a:ln>
@@ -7457,7 +7484,7 @@
           <a:buFontTx/>
           <a:buNone/>
           <a:tabLst/>
-          <a:defRPr b="0" baseline="0" cap="none" i="0" spc="0" strike="noStrike" sz="1800" u="none" kumimoji="0" normalizeH="0">
+          <a:defRPr kumimoji="0" sz="1800" b="0" i="0" u="none" strike="noStrike" cap="none" spc="0" normalizeH="0" baseline="0">
             <a:ln>
               <a:noFill/>
             </a:ln>
@@ -7483,7 +7510,7 @@
           <a:buFontTx/>
           <a:buNone/>
           <a:tabLst/>
-          <a:defRPr b="0" baseline="0" cap="none" i="0" spc="0" strike="noStrike" sz="1800" u="none" kumimoji="0" normalizeH="0">
+          <a:defRPr kumimoji="0" sz="1800" b="0" i="0" u="none" strike="noStrike" cap="none" spc="0" normalizeH="0" baseline="0">
             <a:ln>
               <a:noFill/>
             </a:ln>
@@ -7496,9 +7523,15 @@
         </a:lvl9pPr>
       </a:lstStyle>
       <a:style>
-        <a:lnRef idx="0"/>
-        <a:fillRef idx="0"/>
-        <a:effectRef idx="0"/>
+        <a:lnRef idx="0">
+          <a:scrgbClr r="0" g="0" b="0"/>
+        </a:lnRef>
+        <a:fillRef idx="0">
+          <a:scrgbClr r="0" g="0" b="0"/>
+        </a:fillRef>
+        <a:effectRef idx="0">
+          <a:scrgbClr r="0" g="0" b="0"/>
+        </a:effectRef>
         <a:fontRef idx="none"/>
       </a:style>
     </a:lnDef>
@@ -7512,7 +7545,7 @@
         <a:effectLst/>
         <a:sp3d/>
       </a:spPr>
-      <a:bodyPr rot="0" spcFirstLastPara="1" vertOverflow="overflow" horzOverflow="overflow" vert="horz" wrap="square" lIns="50800" tIns="50800" rIns="50800" bIns="50800" numCol="1" spcCol="38100" rtlCol="0" anchor="ctr" upright="0">
+      <a:bodyPr rot="0" spcFirstLastPara="1" vertOverflow="overflow" horzOverflow="overflow" vert="horz" wrap="square" lIns="50800" tIns="50800" rIns="50800" bIns="50800" numCol="1" spcCol="38100" rtlCol="0" anchor="ctr">
         <a:spAutoFit/>
       </a:bodyPr>
       <a:lstStyle>
@@ -7531,7 +7564,7 @@
           <a:buFontTx/>
           <a:buNone/>
           <a:tabLst/>
-          <a:defRPr b="0" baseline="0" cap="none" i="0" spc="0" strike="noStrike" sz="2400" u="none" kumimoji="0" normalizeH="0">
+          <a:defRPr kumimoji="0" sz="2400" b="0" i="0" u="none" strike="noStrike" cap="none" spc="0" normalizeH="0" baseline="0">
             <a:ln>
               <a:noFill/>
             </a:ln>
@@ -7561,7 +7594,7 @@
           <a:buFontTx/>
           <a:buNone/>
           <a:tabLst/>
-          <a:defRPr b="0" baseline="0" cap="none" i="0" spc="0" strike="noStrike" sz="1800" u="none" kumimoji="0" normalizeH="0">
+          <a:defRPr kumimoji="0" sz="1800" b="0" i="0" u="none" strike="noStrike" cap="none" spc="0" normalizeH="0" baseline="0">
             <a:ln>
               <a:noFill/>
             </a:ln>
@@ -7587,7 +7620,7 @@
           <a:buFontTx/>
           <a:buNone/>
           <a:tabLst/>
-          <a:defRPr b="0" baseline="0" cap="none" i="0" spc="0" strike="noStrike" sz="1800" u="none" kumimoji="0" normalizeH="0">
+          <a:defRPr kumimoji="0" sz="1800" b="0" i="0" u="none" strike="noStrike" cap="none" spc="0" normalizeH="0" baseline="0">
             <a:ln>
               <a:noFill/>
             </a:ln>
@@ -7613,7 +7646,7 @@
           <a:buFontTx/>
           <a:buNone/>
           <a:tabLst/>
-          <a:defRPr b="0" baseline="0" cap="none" i="0" spc="0" strike="noStrike" sz="1800" u="none" kumimoji="0" normalizeH="0">
+          <a:defRPr kumimoji="0" sz="1800" b="0" i="0" u="none" strike="noStrike" cap="none" spc="0" normalizeH="0" baseline="0">
             <a:ln>
               <a:noFill/>
             </a:ln>
@@ -7639,7 +7672,7 @@
           <a:buFontTx/>
           <a:buNone/>
           <a:tabLst/>
-          <a:defRPr b="0" baseline="0" cap="none" i="0" spc="0" strike="noStrike" sz="1800" u="none" kumimoji="0" normalizeH="0">
+          <a:defRPr kumimoji="0" sz="1800" b="0" i="0" u="none" strike="noStrike" cap="none" spc="0" normalizeH="0" baseline="0">
             <a:ln>
               <a:noFill/>
             </a:ln>
@@ -7665,7 +7698,7 @@
           <a:buFontTx/>
           <a:buNone/>
           <a:tabLst/>
-          <a:defRPr b="0" baseline="0" cap="none" i="0" spc="0" strike="noStrike" sz="1800" u="none" kumimoji="0" normalizeH="0">
+          <a:defRPr kumimoji="0" sz="1800" b="0" i="0" u="none" strike="noStrike" cap="none" spc="0" normalizeH="0" baseline="0">
             <a:ln>
               <a:noFill/>
             </a:ln>
@@ -7691,7 +7724,7 @@
           <a:buFontTx/>
           <a:buNone/>
           <a:tabLst/>
-          <a:defRPr b="0" baseline="0" cap="none" i="0" spc="0" strike="noStrike" sz="1800" u="none" kumimoji="0" normalizeH="0">
+          <a:defRPr kumimoji="0" sz="1800" b="0" i="0" u="none" strike="noStrike" cap="none" spc="0" normalizeH="0" baseline="0">
             <a:ln>
               <a:noFill/>
             </a:ln>
@@ -7717,7 +7750,7 @@
           <a:buFontTx/>
           <a:buNone/>
           <a:tabLst/>
-          <a:defRPr b="0" baseline="0" cap="none" i="0" spc="0" strike="noStrike" sz="1800" u="none" kumimoji="0" normalizeH="0">
+          <a:defRPr kumimoji="0" sz="1800" b="0" i="0" u="none" strike="noStrike" cap="none" spc="0" normalizeH="0" baseline="0">
             <a:ln>
               <a:noFill/>
             </a:ln>
@@ -7743,7 +7776,7 @@
           <a:buFontTx/>
           <a:buNone/>
           <a:tabLst/>
-          <a:defRPr b="0" baseline="0" cap="none" i="0" spc="0" strike="noStrike" sz="1800" u="none" kumimoji="0" normalizeH="0">
+          <a:defRPr kumimoji="0" sz="1800" b="0" i="0" u="none" strike="noStrike" cap="none" spc="0" normalizeH="0" baseline="0">
             <a:ln>
               <a:noFill/>
             </a:ln>
@@ -7769,7 +7802,7 @@
           <a:buFontTx/>
           <a:buNone/>
           <a:tabLst/>
-          <a:defRPr b="0" baseline="0" cap="none" i="0" spc="0" strike="noStrike" sz="1800" u="none" kumimoji="0" normalizeH="0">
+          <a:defRPr kumimoji="0" sz="1800" b="0" i="0" u="none" strike="noStrike" cap="none" spc="0" normalizeH="0" baseline="0">
             <a:ln>
               <a:noFill/>
             </a:ln>
@@ -7782,12 +7815,19 @@
         </a:lvl9pPr>
       </a:lstStyle>
       <a:style>
-        <a:lnRef idx="0"/>
-        <a:fillRef idx="0"/>
-        <a:effectRef idx="0"/>
+        <a:lnRef idx="0">
+          <a:scrgbClr r="0" g="0" b="0"/>
+        </a:lnRef>
+        <a:fillRef idx="0">
+          <a:scrgbClr r="0" g="0" b="0"/>
+        </a:fillRef>
+        <a:effectRef idx="0">
+          <a:scrgbClr r="0" g="0" b="0"/>
+        </a:effectRef>
         <a:fontRef idx="none"/>
       </a:style>
     </a:txDef>
   </a:objectDefaults>
+  <a:extraClrSchemeLst/>
 </a:theme>
 </file>